--- a/김성진_Fuzzing과 툴을 활용한 리얼월드 버그 헌팅.pptx
+++ b/김성진_Fuzzing과 툴을 활용한 리얼월드 버그 헌팅.pptx
@@ -5,7 +5,7 @@
     <p:sldMasterId id="2147483696" r:id="rId1"/>
   </p:sldMasterIdLst>
   <p:notesMasterIdLst>
-    <p:notesMasterId r:id="rId15"/>
+    <p:notesMasterId r:id="rId24"/>
   </p:notesMasterIdLst>
   <p:sldIdLst>
     <p:sldId id="256" r:id="rId2"/>
@@ -20,7 +20,16 @@
     <p:sldId id="340" r:id="rId11"/>
     <p:sldId id="341" r:id="rId12"/>
     <p:sldId id="342" r:id="rId13"/>
-    <p:sldId id="331" r:id="rId14"/>
+    <p:sldId id="343" r:id="rId14"/>
+    <p:sldId id="344" r:id="rId15"/>
+    <p:sldId id="345" r:id="rId16"/>
+    <p:sldId id="346" r:id="rId17"/>
+    <p:sldId id="347" r:id="rId18"/>
+    <p:sldId id="348" r:id="rId19"/>
+    <p:sldId id="349" r:id="rId20"/>
+    <p:sldId id="350" r:id="rId21"/>
+    <p:sldId id="351" r:id="rId22"/>
+    <p:sldId id="331" r:id="rId23"/>
   </p:sldIdLst>
   <p:sldSz cx="12192000" cy="6858000"/>
   <p:notesSz cx="6858000" cy="9144000"/>
@@ -209,7 +218,7 @@
           <a:p>
             <a:fld id="{B0BC175E-9DDB-4440-9F37-547A76768090}" type="datetimeFigureOut">
               <a:rPr lang="ko-KR" altLang="en-US" smtClean="0"/>
-              <a:t>2023-12-05</a:t>
+              <a:t>2023-12-06</a:t>
             </a:fld>
             <a:endParaRPr lang="ko-KR" altLang="en-US"/>
           </a:p>
@@ -590,6 +599,90 @@
 </p:notes>
 </file>
 
+<file path=ppt/notesSlides/notesSlide10.xml><?xml version="1.0" encoding="utf-8"?>
+<p:notes xmlns:a="http://schemas.openxmlformats.org/drawingml/2006/main" xmlns:r="http://schemas.openxmlformats.org/officeDocument/2006/relationships" xmlns:p="http://schemas.openxmlformats.org/presentationml/2006/main">
+  <p:cSld>
+    <p:spTree>
+      <p:nvGrpSpPr>
+        <p:cNvPr id="1" name=""/>
+        <p:cNvGrpSpPr/>
+        <p:nvPr/>
+      </p:nvGrpSpPr>
+      <p:grpSpPr>
+        <a:xfrm>
+          <a:off x="0" y="0"/>
+          <a:ext cx="0" cy="0"/>
+          <a:chOff x="0" y="0"/>
+          <a:chExt cx="0" cy="0"/>
+        </a:xfrm>
+      </p:grpSpPr>
+      <p:sp>
+        <p:nvSpPr>
+          <p:cNvPr id="2" name="슬라이드 이미지 개체 틀 1"/>
+          <p:cNvSpPr>
+            <a:spLocks noGrp="1" noRot="1" noChangeAspect="1"/>
+          </p:cNvSpPr>
+          <p:nvPr>
+            <p:ph type="sldImg"/>
+          </p:nvPr>
+        </p:nvSpPr>
+        <p:spPr/>
+      </p:sp>
+      <p:sp>
+        <p:nvSpPr>
+          <p:cNvPr id="3" name="슬라이드 노트 개체 틀 2"/>
+          <p:cNvSpPr>
+            <a:spLocks noGrp="1"/>
+          </p:cNvSpPr>
+          <p:nvPr>
+            <p:ph type="body" idx="1"/>
+          </p:nvPr>
+        </p:nvSpPr>
+        <p:spPr/>
+        <p:txBody>
+          <a:bodyPr/>
+          <a:lstStyle/>
+          <a:p>
+            <a:endParaRPr lang="ko-KR" altLang="en-US" dirty="0"/>
+          </a:p>
+        </p:txBody>
+      </p:sp>
+      <p:sp>
+        <p:nvSpPr>
+          <p:cNvPr id="4" name="슬라이드 번호 개체 틀 3"/>
+          <p:cNvSpPr>
+            <a:spLocks noGrp="1"/>
+          </p:cNvSpPr>
+          <p:nvPr>
+            <p:ph type="sldNum" sz="quarter" idx="5"/>
+          </p:nvPr>
+        </p:nvSpPr>
+        <p:spPr/>
+        <p:txBody>
+          <a:bodyPr/>
+          <a:lstStyle/>
+          <a:p>
+            <a:fld id="{7D49010A-91F4-424D-AFC4-19F60A94C29D}" type="slidenum">
+              <a:rPr lang="ko-KR" altLang="en-US" smtClean="0"/>
+              <a:t>22</a:t>
+            </a:fld>
+            <a:endParaRPr lang="ko-KR" altLang="en-US"/>
+          </a:p>
+        </p:txBody>
+      </p:sp>
+    </p:spTree>
+    <p:extLst>
+      <p:ext uri="{BB962C8B-B14F-4D97-AF65-F5344CB8AC3E}">
+        <p14:creationId xmlns:p14="http://schemas.microsoft.com/office/powerpoint/2010/main" val="1741712945"/>
+      </p:ext>
+    </p:extLst>
+  </p:cSld>
+  <p:clrMapOvr>
+    <a:masterClrMapping/>
+  </p:clrMapOvr>
+</p:notes>
+</file>
+
 <file path=ppt/notesSlides/notesSlide2.xml><?xml version="1.0" encoding="utf-8"?>
 <p:notes xmlns:a="http://schemas.openxmlformats.org/drawingml/2006/main" xmlns:r="http://schemas.openxmlformats.org/officeDocument/2006/relationships" xmlns:p="http://schemas.openxmlformats.org/presentationml/2006/main">
   <p:cSld>
@@ -634,6 +727,30 @@
           <a:bodyPr/>
           <a:lstStyle/>
           <a:p>
+            <a:r>
+              <a:rPr lang="en-US" altLang="ko-KR" dirty="0" err="1"/>
+              <a:t>feroxbuster</a:t>
+            </a:r>
+            <a:r>
+              <a:rPr lang="en-US" altLang="ko-KR" dirty="0"/>
+              <a:t> --</a:t>
+            </a:r>
+            <a:r>
+              <a:rPr lang="en-US" altLang="ko-KR" dirty="0" err="1"/>
+              <a:t>url</a:t>
+            </a:r>
+            <a:r>
+              <a:rPr lang="en-US" altLang="ko-KR" dirty="0"/>
+              <a:t> http://localhost:3000/ --wordlist </a:t>
+            </a:r>
+            <a:r>
+              <a:rPr lang="en-US" altLang="ko-KR" dirty="0" err="1"/>
+              <a:t>SecLists</a:t>
+            </a:r>
+            <a:r>
+              <a:rPr lang="en-US" altLang="ko-KR" dirty="0"/>
+              <a:t>/Discovery/Web-Content/raft-medium-words.txt</a:t>
+            </a:r>
             <a:endParaRPr lang="ko-KR" altLang="en-US" dirty="0"/>
           </a:p>
         </p:txBody>
@@ -664,7 +781,639 @@
     </p:spTree>
     <p:extLst>
       <p:ext uri="{BB962C8B-B14F-4D97-AF65-F5344CB8AC3E}">
-        <p14:creationId xmlns:p14="http://schemas.microsoft.com/office/powerpoint/2010/main" val="1741712945"/>
+        <p14:creationId xmlns:p14="http://schemas.microsoft.com/office/powerpoint/2010/main" val="2116785248"/>
+      </p:ext>
+    </p:extLst>
+  </p:cSld>
+  <p:clrMapOvr>
+    <a:masterClrMapping/>
+  </p:clrMapOvr>
+</p:notes>
+</file>
+
+<file path=ppt/notesSlides/notesSlide3.xml><?xml version="1.0" encoding="utf-8"?>
+<p:notes xmlns:a="http://schemas.openxmlformats.org/drawingml/2006/main" xmlns:r="http://schemas.openxmlformats.org/officeDocument/2006/relationships" xmlns:p="http://schemas.openxmlformats.org/presentationml/2006/main">
+  <p:cSld>
+    <p:spTree>
+      <p:nvGrpSpPr>
+        <p:cNvPr id="1" name=""/>
+        <p:cNvGrpSpPr/>
+        <p:nvPr/>
+      </p:nvGrpSpPr>
+      <p:grpSpPr>
+        <a:xfrm>
+          <a:off x="0" y="0"/>
+          <a:ext cx="0" cy="0"/>
+          <a:chOff x="0" y="0"/>
+          <a:chExt cx="0" cy="0"/>
+        </a:xfrm>
+      </p:grpSpPr>
+      <p:sp>
+        <p:nvSpPr>
+          <p:cNvPr id="2" name="슬라이드 이미지 개체 틀 1"/>
+          <p:cNvSpPr>
+            <a:spLocks noGrp="1" noRot="1" noChangeAspect="1"/>
+          </p:cNvSpPr>
+          <p:nvPr>
+            <p:ph type="sldImg"/>
+          </p:nvPr>
+        </p:nvSpPr>
+        <p:spPr/>
+      </p:sp>
+      <p:sp>
+        <p:nvSpPr>
+          <p:cNvPr id="3" name="슬라이드 노트 개체 틀 2"/>
+          <p:cNvSpPr>
+            <a:spLocks noGrp="1"/>
+          </p:cNvSpPr>
+          <p:nvPr>
+            <p:ph type="body" idx="1"/>
+          </p:nvPr>
+        </p:nvSpPr>
+        <p:spPr/>
+        <p:txBody>
+          <a:bodyPr/>
+          <a:lstStyle/>
+          <a:p>
+            <a:r>
+              <a:rPr lang="en-US" altLang="ko-KR" dirty="0" err="1"/>
+              <a:t>feroxbuster</a:t>
+            </a:r>
+            <a:r>
+              <a:rPr lang="en-US" altLang="ko-KR" dirty="0"/>
+              <a:t> --</a:t>
+            </a:r>
+            <a:r>
+              <a:rPr lang="en-US" altLang="ko-KR" dirty="0" err="1"/>
+              <a:t>url</a:t>
+            </a:r>
+            <a:r>
+              <a:rPr lang="en-US" altLang="ko-KR" dirty="0"/>
+              <a:t> http://localhost:3000/ --wordlist </a:t>
+            </a:r>
+            <a:r>
+              <a:rPr lang="en-US" altLang="ko-KR" dirty="0" err="1"/>
+              <a:t>SecLists</a:t>
+            </a:r>
+            <a:r>
+              <a:rPr lang="en-US" altLang="ko-KR" dirty="0"/>
+              <a:t>/Discovery/Web-Content/raft-medium-words.txt</a:t>
+            </a:r>
+            <a:endParaRPr lang="ko-KR" altLang="en-US" dirty="0"/>
+          </a:p>
+        </p:txBody>
+      </p:sp>
+      <p:sp>
+        <p:nvSpPr>
+          <p:cNvPr id="4" name="슬라이드 번호 개체 틀 3"/>
+          <p:cNvSpPr>
+            <a:spLocks noGrp="1"/>
+          </p:cNvSpPr>
+          <p:nvPr>
+            <p:ph type="sldNum" sz="quarter" idx="5"/>
+          </p:nvPr>
+        </p:nvSpPr>
+        <p:spPr/>
+        <p:txBody>
+          <a:bodyPr/>
+          <a:lstStyle/>
+          <a:p>
+            <a:fld id="{7D49010A-91F4-424D-AFC4-19F60A94C29D}" type="slidenum">
+              <a:rPr lang="ko-KR" altLang="en-US" smtClean="0"/>
+              <a:t>14</a:t>
+            </a:fld>
+            <a:endParaRPr lang="ko-KR" altLang="en-US"/>
+          </a:p>
+        </p:txBody>
+      </p:sp>
+    </p:spTree>
+    <p:extLst>
+      <p:ext uri="{BB962C8B-B14F-4D97-AF65-F5344CB8AC3E}">
+        <p14:creationId xmlns:p14="http://schemas.microsoft.com/office/powerpoint/2010/main" val="3297874425"/>
+      </p:ext>
+    </p:extLst>
+  </p:cSld>
+  <p:clrMapOvr>
+    <a:masterClrMapping/>
+  </p:clrMapOvr>
+</p:notes>
+</file>
+
+<file path=ppt/notesSlides/notesSlide4.xml><?xml version="1.0" encoding="utf-8"?>
+<p:notes xmlns:a="http://schemas.openxmlformats.org/drawingml/2006/main" xmlns:r="http://schemas.openxmlformats.org/officeDocument/2006/relationships" xmlns:p="http://schemas.openxmlformats.org/presentationml/2006/main">
+  <p:cSld>
+    <p:spTree>
+      <p:nvGrpSpPr>
+        <p:cNvPr id="1" name=""/>
+        <p:cNvGrpSpPr/>
+        <p:nvPr/>
+      </p:nvGrpSpPr>
+      <p:grpSpPr>
+        <a:xfrm>
+          <a:off x="0" y="0"/>
+          <a:ext cx="0" cy="0"/>
+          <a:chOff x="0" y="0"/>
+          <a:chExt cx="0" cy="0"/>
+        </a:xfrm>
+      </p:grpSpPr>
+      <p:sp>
+        <p:nvSpPr>
+          <p:cNvPr id="2" name="슬라이드 이미지 개체 틀 1"/>
+          <p:cNvSpPr>
+            <a:spLocks noGrp="1" noRot="1" noChangeAspect="1"/>
+          </p:cNvSpPr>
+          <p:nvPr>
+            <p:ph type="sldImg"/>
+          </p:nvPr>
+        </p:nvSpPr>
+        <p:spPr/>
+      </p:sp>
+      <p:sp>
+        <p:nvSpPr>
+          <p:cNvPr id="3" name="슬라이드 노트 개체 틀 2"/>
+          <p:cNvSpPr>
+            <a:spLocks noGrp="1"/>
+          </p:cNvSpPr>
+          <p:nvPr>
+            <p:ph type="body" idx="1"/>
+          </p:nvPr>
+        </p:nvSpPr>
+        <p:spPr/>
+        <p:txBody>
+          <a:bodyPr/>
+          <a:lstStyle/>
+          <a:p>
+            <a:endParaRPr lang="ko-KR" altLang="en-US" dirty="0"/>
+          </a:p>
+        </p:txBody>
+      </p:sp>
+      <p:sp>
+        <p:nvSpPr>
+          <p:cNvPr id="4" name="슬라이드 번호 개체 틀 3"/>
+          <p:cNvSpPr>
+            <a:spLocks noGrp="1"/>
+          </p:cNvSpPr>
+          <p:nvPr>
+            <p:ph type="sldNum" sz="quarter" idx="5"/>
+          </p:nvPr>
+        </p:nvSpPr>
+        <p:spPr/>
+        <p:txBody>
+          <a:bodyPr/>
+          <a:lstStyle/>
+          <a:p>
+            <a:fld id="{7D49010A-91F4-424D-AFC4-19F60A94C29D}" type="slidenum">
+              <a:rPr lang="ko-KR" altLang="en-US" smtClean="0"/>
+              <a:t>15</a:t>
+            </a:fld>
+            <a:endParaRPr lang="ko-KR" altLang="en-US"/>
+          </a:p>
+        </p:txBody>
+      </p:sp>
+    </p:spTree>
+    <p:extLst>
+      <p:ext uri="{BB962C8B-B14F-4D97-AF65-F5344CB8AC3E}">
+        <p14:creationId xmlns:p14="http://schemas.microsoft.com/office/powerpoint/2010/main" val="4114164920"/>
+      </p:ext>
+    </p:extLst>
+  </p:cSld>
+  <p:clrMapOvr>
+    <a:masterClrMapping/>
+  </p:clrMapOvr>
+</p:notes>
+</file>
+
+<file path=ppt/notesSlides/notesSlide5.xml><?xml version="1.0" encoding="utf-8"?>
+<p:notes xmlns:a="http://schemas.openxmlformats.org/drawingml/2006/main" xmlns:r="http://schemas.openxmlformats.org/officeDocument/2006/relationships" xmlns:p="http://schemas.openxmlformats.org/presentationml/2006/main">
+  <p:cSld>
+    <p:spTree>
+      <p:nvGrpSpPr>
+        <p:cNvPr id="1" name=""/>
+        <p:cNvGrpSpPr/>
+        <p:nvPr/>
+      </p:nvGrpSpPr>
+      <p:grpSpPr>
+        <a:xfrm>
+          <a:off x="0" y="0"/>
+          <a:ext cx="0" cy="0"/>
+          <a:chOff x="0" y="0"/>
+          <a:chExt cx="0" cy="0"/>
+        </a:xfrm>
+      </p:grpSpPr>
+      <p:sp>
+        <p:nvSpPr>
+          <p:cNvPr id="2" name="슬라이드 이미지 개체 틀 1"/>
+          <p:cNvSpPr>
+            <a:spLocks noGrp="1" noRot="1" noChangeAspect="1"/>
+          </p:cNvSpPr>
+          <p:nvPr>
+            <p:ph type="sldImg"/>
+          </p:nvPr>
+        </p:nvSpPr>
+        <p:spPr/>
+      </p:sp>
+      <p:sp>
+        <p:nvSpPr>
+          <p:cNvPr id="3" name="슬라이드 노트 개체 틀 2"/>
+          <p:cNvSpPr>
+            <a:spLocks noGrp="1"/>
+          </p:cNvSpPr>
+          <p:nvPr>
+            <p:ph type="body" idx="1"/>
+          </p:nvPr>
+        </p:nvSpPr>
+        <p:spPr/>
+        <p:txBody>
+          <a:bodyPr/>
+          <a:lstStyle/>
+          <a:p>
+            <a:r>
+              <a:rPr lang="en-US" altLang="ko-KR" dirty="0"/>
+              <a:t>Python3 xsstrike.py –</a:t>
+            </a:r>
+            <a:r>
+              <a:rPr lang="en-US" altLang="ko-KR" dirty="0" err="1"/>
+              <a:t>url</a:t>
+            </a:r>
+            <a:r>
+              <a:rPr lang="en-US" altLang="ko-KR" dirty="0"/>
+              <a:t> http://localhost:3000/report?param=test</a:t>
+            </a:r>
+            <a:endParaRPr lang="ko-KR" altLang="en-US" dirty="0"/>
+          </a:p>
+        </p:txBody>
+      </p:sp>
+      <p:sp>
+        <p:nvSpPr>
+          <p:cNvPr id="4" name="슬라이드 번호 개체 틀 3"/>
+          <p:cNvSpPr>
+            <a:spLocks noGrp="1"/>
+          </p:cNvSpPr>
+          <p:nvPr>
+            <p:ph type="sldNum" sz="quarter" idx="5"/>
+          </p:nvPr>
+        </p:nvSpPr>
+        <p:spPr/>
+        <p:txBody>
+          <a:bodyPr/>
+          <a:lstStyle/>
+          <a:p>
+            <a:fld id="{7D49010A-91F4-424D-AFC4-19F60A94C29D}" type="slidenum">
+              <a:rPr lang="ko-KR" altLang="en-US" smtClean="0"/>
+              <a:t>16</a:t>
+            </a:fld>
+            <a:endParaRPr lang="ko-KR" altLang="en-US"/>
+          </a:p>
+        </p:txBody>
+      </p:sp>
+    </p:spTree>
+    <p:extLst>
+      <p:ext uri="{BB962C8B-B14F-4D97-AF65-F5344CB8AC3E}">
+        <p14:creationId xmlns:p14="http://schemas.microsoft.com/office/powerpoint/2010/main" val="2359876201"/>
+      </p:ext>
+    </p:extLst>
+  </p:cSld>
+  <p:clrMapOvr>
+    <a:masterClrMapping/>
+  </p:clrMapOvr>
+</p:notes>
+</file>
+
+<file path=ppt/notesSlides/notesSlide6.xml><?xml version="1.0" encoding="utf-8"?>
+<p:notes xmlns:a="http://schemas.openxmlformats.org/drawingml/2006/main" xmlns:r="http://schemas.openxmlformats.org/officeDocument/2006/relationships" xmlns:p="http://schemas.openxmlformats.org/presentationml/2006/main">
+  <p:cSld>
+    <p:spTree>
+      <p:nvGrpSpPr>
+        <p:cNvPr id="1" name=""/>
+        <p:cNvGrpSpPr/>
+        <p:nvPr/>
+      </p:nvGrpSpPr>
+      <p:grpSpPr>
+        <a:xfrm>
+          <a:off x="0" y="0"/>
+          <a:ext cx="0" cy="0"/>
+          <a:chOff x="0" y="0"/>
+          <a:chExt cx="0" cy="0"/>
+        </a:xfrm>
+      </p:grpSpPr>
+      <p:sp>
+        <p:nvSpPr>
+          <p:cNvPr id="2" name="슬라이드 이미지 개체 틀 1"/>
+          <p:cNvSpPr>
+            <a:spLocks noGrp="1" noRot="1" noChangeAspect="1"/>
+          </p:cNvSpPr>
+          <p:nvPr>
+            <p:ph type="sldImg"/>
+          </p:nvPr>
+        </p:nvSpPr>
+        <p:spPr/>
+      </p:sp>
+      <p:sp>
+        <p:nvSpPr>
+          <p:cNvPr id="3" name="슬라이드 노트 개체 틀 2"/>
+          <p:cNvSpPr>
+            <a:spLocks noGrp="1"/>
+          </p:cNvSpPr>
+          <p:nvPr>
+            <p:ph type="body" idx="1"/>
+          </p:nvPr>
+        </p:nvSpPr>
+        <p:spPr/>
+        <p:txBody>
+          <a:bodyPr/>
+          <a:lstStyle/>
+          <a:p>
+            <a:endParaRPr lang="ko-KR" altLang="en-US" dirty="0"/>
+          </a:p>
+        </p:txBody>
+      </p:sp>
+      <p:sp>
+        <p:nvSpPr>
+          <p:cNvPr id="4" name="슬라이드 번호 개체 틀 3"/>
+          <p:cNvSpPr>
+            <a:spLocks noGrp="1"/>
+          </p:cNvSpPr>
+          <p:nvPr>
+            <p:ph type="sldNum" sz="quarter" idx="5"/>
+          </p:nvPr>
+        </p:nvSpPr>
+        <p:spPr/>
+        <p:txBody>
+          <a:bodyPr/>
+          <a:lstStyle/>
+          <a:p>
+            <a:fld id="{7D49010A-91F4-424D-AFC4-19F60A94C29D}" type="slidenum">
+              <a:rPr lang="ko-KR" altLang="en-US" smtClean="0"/>
+              <a:t>17</a:t>
+            </a:fld>
+            <a:endParaRPr lang="ko-KR" altLang="en-US"/>
+          </a:p>
+        </p:txBody>
+      </p:sp>
+    </p:spTree>
+    <p:extLst>
+      <p:ext uri="{BB962C8B-B14F-4D97-AF65-F5344CB8AC3E}">
+        <p14:creationId xmlns:p14="http://schemas.microsoft.com/office/powerpoint/2010/main" val="924971926"/>
+      </p:ext>
+    </p:extLst>
+  </p:cSld>
+  <p:clrMapOvr>
+    <a:masterClrMapping/>
+  </p:clrMapOvr>
+</p:notes>
+</file>
+
+<file path=ppt/notesSlides/notesSlide7.xml><?xml version="1.0" encoding="utf-8"?>
+<p:notes xmlns:a="http://schemas.openxmlformats.org/drawingml/2006/main" xmlns:r="http://schemas.openxmlformats.org/officeDocument/2006/relationships" xmlns:p="http://schemas.openxmlformats.org/presentationml/2006/main">
+  <p:cSld>
+    <p:spTree>
+      <p:nvGrpSpPr>
+        <p:cNvPr id="1" name=""/>
+        <p:cNvGrpSpPr/>
+        <p:nvPr/>
+      </p:nvGrpSpPr>
+      <p:grpSpPr>
+        <a:xfrm>
+          <a:off x="0" y="0"/>
+          <a:ext cx="0" cy="0"/>
+          <a:chOff x="0" y="0"/>
+          <a:chExt cx="0" cy="0"/>
+        </a:xfrm>
+      </p:grpSpPr>
+      <p:sp>
+        <p:nvSpPr>
+          <p:cNvPr id="2" name="슬라이드 이미지 개체 틀 1"/>
+          <p:cNvSpPr>
+            <a:spLocks noGrp="1" noRot="1" noChangeAspect="1"/>
+          </p:cNvSpPr>
+          <p:nvPr>
+            <p:ph type="sldImg"/>
+          </p:nvPr>
+        </p:nvSpPr>
+        <p:spPr/>
+      </p:sp>
+      <p:sp>
+        <p:nvSpPr>
+          <p:cNvPr id="3" name="슬라이드 노트 개체 틀 2"/>
+          <p:cNvSpPr>
+            <a:spLocks noGrp="1"/>
+          </p:cNvSpPr>
+          <p:nvPr>
+            <p:ph type="body" idx="1"/>
+          </p:nvPr>
+        </p:nvSpPr>
+        <p:spPr/>
+        <p:txBody>
+          <a:bodyPr/>
+          <a:lstStyle/>
+          <a:p>
+            <a:r>
+              <a:rPr lang="en-US" altLang="ko-KR" dirty="0" err="1"/>
+              <a:t>Sqlmap</a:t>
+            </a:r>
+            <a:r>
+              <a:rPr lang="en-US" altLang="ko-KR" dirty="0"/>
+              <a:t> –r attack</a:t>
+            </a:r>
+            <a:endParaRPr lang="ko-KR" altLang="en-US" dirty="0"/>
+          </a:p>
+        </p:txBody>
+      </p:sp>
+      <p:sp>
+        <p:nvSpPr>
+          <p:cNvPr id="4" name="슬라이드 번호 개체 틀 3"/>
+          <p:cNvSpPr>
+            <a:spLocks noGrp="1"/>
+          </p:cNvSpPr>
+          <p:nvPr>
+            <p:ph type="sldNum" sz="quarter" idx="5"/>
+          </p:nvPr>
+        </p:nvSpPr>
+        <p:spPr/>
+        <p:txBody>
+          <a:bodyPr/>
+          <a:lstStyle/>
+          <a:p>
+            <a:fld id="{7D49010A-91F4-424D-AFC4-19F60A94C29D}" type="slidenum">
+              <a:rPr lang="ko-KR" altLang="en-US" smtClean="0"/>
+              <a:t>18</a:t>
+            </a:fld>
+            <a:endParaRPr lang="ko-KR" altLang="en-US"/>
+          </a:p>
+        </p:txBody>
+      </p:sp>
+    </p:spTree>
+    <p:extLst>
+      <p:ext uri="{BB962C8B-B14F-4D97-AF65-F5344CB8AC3E}">
+        <p14:creationId xmlns:p14="http://schemas.microsoft.com/office/powerpoint/2010/main" val="425610813"/>
+      </p:ext>
+    </p:extLst>
+  </p:cSld>
+  <p:clrMapOvr>
+    <a:masterClrMapping/>
+  </p:clrMapOvr>
+</p:notes>
+</file>
+
+<file path=ppt/notesSlides/notesSlide8.xml><?xml version="1.0" encoding="utf-8"?>
+<p:notes xmlns:a="http://schemas.openxmlformats.org/drawingml/2006/main" xmlns:r="http://schemas.openxmlformats.org/officeDocument/2006/relationships" xmlns:p="http://schemas.openxmlformats.org/presentationml/2006/main">
+  <p:cSld>
+    <p:spTree>
+      <p:nvGrpSpPr>
+        <p:cNvPr id="1" name=""/>
+        <p:cNvGrpSpPr/>
+        <p:nvPr/>
+      </p:nvGrpSpPr>
+      <p:grpSpPr>
+        <a:xfrm>
+          <a:off x="0" y="0"/>
+          <a:ext cx="0" cy="0"/>
+          <a:chOff x="0" y="0"/>
+          <a:chExt cx="0" cy="0"/>
+        </a:xfrm>
+      </p:grpSpPr>
+      <p:sp>
+        <p:nvSpPr>
+          <p:cNvPr id="2" name="슬라이드 이미지 개체 틀 1"/>
+          <p:cNvSpPr>
+            <a:spLocks noGrp="1" noRot="1" noChangeAspect="1"/>
+          </p:cNvSpPr>
+          <p:nvPr>
+            <p:ph type="sldImg"/>
+          </p:nvPr>
+        </p:nvSpPr>
+        <p:spPr/>
+      </p:sp>
+      <p:sp>
+        <p:nvSpPr>
+          <p:cNvPr id="3" name="슬라이드 노트 개체 틀 2"/>
+          <p:cNvSpPr>
+            <a:spLocks noGrp="1"/>
+          </p:cNvSpPr>
+          <p:nvPr>
+            <p:ph type="body" idx="1"/>
+          </p:nvPr>
+        </p:nvSpPr>
+        <p:spPr/>
+        <p:txBody>
+          <a:bodyPr/>
+          <a:lstStyle/>
+          <a:p>
+            <a:endParaRPr lang="ko-KR" altLang="en-US" dirty="0"/>
+          </a:p>
+        </p:txBody>
+      </p:sp>
+      <p:sp>
+        <p:nvSpPr>
+          <p:cNvPr id="4" name="슬라이드 번호 개체 틀 3"/>
+          <p:cNvSpPr>
+            <a:spLocks noGrp="1"/>
+          </p:cNvSpPr>
+          <p:nvPr>
+            <p:ph type="sldNum" sz="quarter" idx="5"/>
+          </p:nvPr>
+        </p:nvSpPr>
+        <p:spPr/>
+        <p:txBody>
+          <a:bodyPr/>
+          <a:lstStyle/>
+          <a:p>
+            <a:fld id="{7D49010A-91F4-424D-AFC4-19F60A94C29D}" type="slidenum">
+              <a:rPr lang="ko-KR" altLang="en-US" smtClean="0"/>
+              <a:t>19</a:t>
+            </a:fld>
+            <a:endParaRPr lang="ko-KR" altLang="en-US"/>
+          </a:p>
+        </p:txBody>
+      </p:sp>
+    </p:spTree>
+    <p:extLst>
+      <p:ext uri="{BB962C8B-B14F-4D97-AF65-F5344CB8AC3E}">
+        <p14:creationId xmlns:p14="http://schemas.microsoft.com/office/powerpoint/2010/main" val="800027742"/>
+      </p:ext>
+    </p:extLst>
+  </p:cSld>
+  <p:clrMapOvr>
+    <a:masterClrMapping/>
+  </p:clrMapOvr>
+</p:notes>
+</file>
+
+<file path=ppt/notesSlides/notesSlide9.xml><?xml version="1.0" encoding="utf-8"?>
+<p:notes xmlns:a="http://schemas.openxmlformats.org/drawingml/2006/main" xmlns:r="http://schemas.openxmlformats.org/officeDocument/2006/relationships" xmlns:p="http://schemas.openxmlformats.org/presentationml/2006/main">
+  <p:cSld>
+    <p:spTree>
+      <p:nvGrpSpPr>
+        <p:cNvPr id="1" name=""/>
+        <p:cNvGrpSpPr/>
+        <p:nvPr/>
+      </p:nvGrpSpPr>
+      <p:grpSpPr>
+        <a:xfrm>
+          <a:off x="0" y="0"/>
+          <a:ext cx="0" cy="0"/>
+          <a:chOff x="0" y="0"/>
+          <a:chExt cx="0" cy="0"/>
+        </a:xfrm>
+      </p:grpSpPr>
+      <p:sp>
+        <p:nvSpPr>
+          <p:cNvPr id="2" name="슬라이드 이미지 개체 틀 1"/>
+          <p:cNvSpPr>
+            <a:spLocks noGrp="1" noRot="1" noChangeAspect="1"/>
+          </p:cNvSpPr>
+          <p:nvPr>
+            <p:ph type="sldImg"/>
+          </p:nvPr>
+        </p:nvSpPr>
+        <p:spPr/>
+      </p:sp>
+      <p:sp>
+        <p:nvSpPr>
+          <p:cNvPr id="3" name="슬라이드 노트 개체 틀 2"/>
+          <p:cNvSpPr>
+            <a:spLocks noGrp="1"/>
+          </p:cNvSpPr>
+          <p:nvPr>
+            <p:ph type="body" idx="1"/>
+          </p:nvPr>
+        </p:nvSpPr>
+        <p:spPr/>
+        <p:txBody>
+          <a:bodyPr/>
+          <a:lstStyle/>
+          <a:p>
+            <a:endParaRPr lang="ko-KR" altLang="en-US" dirty="0"/>
+          </a:p>
+        </p:txBody>
+      </p:sp>
+      <p:sp>
+        <p:nvSpPr>
+          <p:cNvPr id="4" name="슬라이드 번호 개체 틀 3"/>
+          <p:cNvSpPr>
+            <a:spLocks noGrp="1"/>
+          </p:cNvSpPr>
+          <p:nvPr>
+            <p:ph type="sldNum" sz="quarter" idx="5"/>
+          </p:nvPr>
+        </p:nvSpPr>
+        <p:spPr/>
+        <p:txBody>
+          <a:bodyPr/>
+          <a:lstStyle/>
+          <a:p>
+            <a:fld id="{7D49010A-91F4-424D-AFC4-19F60A94C29D}" type="slidenum">
+              <a:rPr lang="ko-KR" altLang="en-US" smtClean="0"/>
+              <a:t>20</a:t>
+            </a:fld>
+            <a:endParaRPr lang="ko-KR" altLang="en-US"/>
+          </a:p>
+        </p:txBody>
+      </p:sp>
+    </p:spTree>
+    <p:extLst>
+      <p:ext uri="{BB962C8B-B14F-4D97-AF65-F5344CB8AC3E}">
+        <p14:creationId xmlns:p14="http://schemas.microsoft.com/office/powerpoint/2010/main" val="2664710309"/>
       </p:ext>
     </p:extLst>
   </p:cSld>
@@ -805,7 +1554,7 @@
           <a:p>
             <a:fld id="{2D2F96FB-CB80-43D5-B1C0-C724BA1860D1}" type="datetimeFigureOut">
               <a:rPr lang="ko-KR" altLang="en-US" smtClean="0"/>
-              <a:t>2023-12-05</a:t>
+              <a:t>2023-12-06</a:t>
             </a:fld>
             <a:endParaRPr lang="ko-KR" altLang="en-US"/>
           </a:p>
@@ -975,7 +1724,7 @@
           <a:p>
             <a:fld id="{2D2F96FB-CB80-43D5-B1C0-C724BA1860D1}" type="datetimeFigureOut">
               <a:rPr lang="ko-KR" altLang="en-US" smtClean="0"/>
-              <a:t>2023-12-05</a:t>
+              <a:t>2023-12-06</a:t>
             </a:fld>
             <a:endParaRPr lang="ko-KR" altLang="en-US"/>
           </a:p>
@@ -1155,7 +1904,7 @@
           <a:p>
             <a:fld id="{2D2F96FB-CB80-43D5-B1C0-C724BA1860D1}" type="datetimeFigureOut">
               <a:rPr lang="ko-KR" altLang="en-US" smtClean="0"/>
-              <a:t>2023-12-05</a:t>
+              <a:t>2023-12-06</a:t>
             </a:fld>
             <a:endParaRPr lang="ko-KR" altLang="en-US"/>
           </a:p>
@@ -1325,7 +2074,7 @@
           <a:p>
             <a:fld id="{2D2F96FB-CB80-43D5-B1C0-C724BA1860D1}" type="datetimeFigureOut">
               <a:rPr lang="ko-KR" altLang="en-US" smtClean="0"/>
-              <a:t>2023-12-05</a:t>
+              <a:t>2023-12-06</a:t>
             </a:fld>
             <a:endParaRPr lang="ko-KR" altLang="en-US"/>
           </a:p>
@@ -1571,7 +2320,7 @@
           <a:p>
             <a:fld id="{2D2F96FB-CB80-43D5-B1C0-C724BA1860D1}" type="datetimeFigureOut">
               <a:rPr lang="ko-KR" altLang="en-US" smtClean="0"/>
-              <a:t>2023-12-05</a:t>
+              <a:t>2023-12-06</a:t>
             </a:fld>
             <a:endParaRPr lang="ko-KR" altLang="en-US"/>
           </a:p>
@@ -1803,7 +2552,7 @@
           <a:p>
             <a:fld id="{2D2F96FB-CB80-43D5-B1C0-C724BA1860D1}" type="datetimeFigureOut">
               <a:rPr lang="ko-KR" altLang="en-US" smtClean="0"/>
-              <a:t>2023-12-05</a:t>
+              <a:t>2023-12-06</a:t>
             </a:fld>
             <a:endParaRPr lang="ko-KR" altLang="en-US"/>
           </a:p>
@@ -2170,7 +2919,7 @@
           <a:p>
             <a:fld id="{2D2F96FB-CB80-43D5-B1C0-C724BA1860D1}" type="datetimeFigureOut">
               <a:rPr lang="ko-KR" altLang="en-US" smtClean="0"/>
-              <a:t>2023-12-05</a:t>
+              <a:t>2023-12-06</a:t>
             </a:fld>
             <a:endParaRPr lang="ko-KR" altLang="en-US"/>
           </a:p>
@@ -2288,7 +3037,7 @@
           <a:p>
             <a:fld id="{2D2F96FB-CB80-43D5-B1C0-C724BA1860D1}" type="datetimeFigureOut">
               <a:rPr lang="ko-KR" altLang="en-US" smtClean="0"/>
-              <a:t>2023-12-05</a:t>
+              <a:t>2023-12-06</a:t>
             </a:fld>
             <a:endParaRPr lang="ko-KR" altLang="en-US"/>
           </a:p>
@@ -2383,7 +3132,7 @@
           <a:p>
             <a:fld id="{2D2F96FB-CB80-43D5-B1C0-C724BA1860D1}" type="datetimeFigureOut">
               <a:rPr lang="ko-KR" altLang="en-US" smtClean="0"/>
-              <a:t>2023-12-05</a:t>
+              <a:t>2023-12-06</a:t>
             </a:fld>
             <a:endParaRPr lang="ko-KR" altLang="en-US"/>
           </a:p>
@@ -2660,7 +3409,7 @@
           <a:p>
             <a:fld id="{2D2F96FB-CB80-43D5-B1C0-C724BA1860D1}" type="datetimeFigureOut">
               <a:rPr lang="ko-KR" altLang="en-US" smtClean="0"/>
-              <a:t>2023-12-05</a:t>
+              <a:t>2023-12-06</a:t>
             </a:fld>
             <a:endParaRPr lang="ko-KR" altLang="en-US"/>
           </a:p>
@@ -2917,7 +3666,7 @@
           <a:p>
             <a:fld id="{2D2F96FB-CB80-43D5-B1C0-C724BA1860D1}" type="datetimeFigureOut">
               <a:rPr lang="ko-KR" altLang="en-US" smtClean="0"/>
-              <a:t>2023-12-05</a:t>
+              <a:t>2023-12-06</a:t>
             </a:fld>
             <a:endParaRPr lang="ko-KR" altLang="en-US"/>
           </a:p>
@@ -3130,7 +3879,7 @@
           <a:p>
             <a:fld id="{2D2F96FB-CB80-43D5-B1C0-C724BA1860D1}" type="datetimeFigureOut">
               <a:rPr lang="ko-KR" altLang="en-US" smtClean="0"/>
-              <a:t>2023-12-05</a:t>
+              <a:t>2023-12-06</a:t>
             </a:fld>
             <a:endParaRPr lang="ko-KR" altLang="en-US"/>
           </a:p>
@@ -4426,7 +5175,7 @@
                 <a:ea typeface="AppleSDGothicNeoR00" panose="02000503000000000000" pitchFamily="2" charset="-128"/>
                 <a:cs typeface="Apple Symbols" panose="02000000000000000000" pitchFamily="2" charset="-79"/>
               </a:rPr>
-              <a:t>goBuster</a:t>
+              <a:t>gobuster</a:t>
             </a:r>
             <a:r>
               <a:rPr lang="en-US" altLang="ko-KR" dirty="0">
@@ -4470,13 +5219,16 @@
                 <a:ea typeface="AppleSDGothicNeoR00" panose="02000503000000000000" pitchFamily="2" charset="-128"/>
                 <a:cs typeface="Apple Symbols" panose="02000000000000000000" pitchFamily="2" charset="-79"/>
               </a:rPr>
-              <a:t>취약점 스캐닝</a:t>
-            </a:r>
-            <a:endParaRPr lang="en-US" altLang="ko-KR" sz="3200" dirty="0">
-              <a:latin typeface="AppleSDGothicNeoR00" panose="02000503000000000000" pitchFamily="2" charset="-128"/>
-              <a:ea typeface="AppleSDGothicNeoR00" panose="02000503000000000000" pitchFamily="2" charset="-128"/>
-              <a:cs typeface="Apple Symbols" panose="02000000000000000000" pitchFamily="2" charset="-79"/>
-            </a:endParaRPr>
+              <a:t>취약점 스캐닝 </a:t>
+            </a:r>
+            <a:r>
+              <a:rPr lang="en-US" altLang="ko-KR" sz="3200" dirty="0">
+                <a:latin typeface="AppleSDGothicNeoR00" panose="02000503000000000000" pitchFamily="2" charset="-128"/>
+                <a:ea typeface="AppleSDGothicNeoR00" panose="02000503000000000000" pitchFamily="2" charset="-128"/>
+                <a:cs typeface="Apple Symbols" panose="02000000000000000000" pitchFamily="2" charset="-79"/>
+              </a:rPr>
+              <a:t>/ Fuzzing</a:t>
+            </a:r>
           </a:p>
           <a:p>
             <a:pPr lvl="1"/>
@@ -4542,7 +5294,7 @@
                 <a:ea typeface="AppleSDGothicNeoR00" panose="02000503000000000000" pitchFamily="2" charset="-128"/>
                 <a:cs typeface="Apple Symbols" panose="02000000000000000000" pitchFamily="2" charset="-79"/>
               </a:rPr>
-              <a:t>Burp Suite</a:t>
+              <a:t>General : Burp Suite</a:t>
             </a:r>
           </a:p>
         </p:txBody>
@@ -4600,7 +5352,15 @@
           <a:p>
             <a:r>
               <a:rPr lang="en-US" altLang="ko-KR" dirty="0"/>
-              <a:t>Web fuzzing / Case Study</a:t>
+              <a:t>Case Study – Bug</a:t>
+            </a:r>
+            <a:r>
+              <a:rPr lang="ko-KR" altLang="en-US" dirty="0"/>
+              <a:t> </a:t>
+            </a:r>
+            <a:r>
+              <a:rPr lang="en-US" altLang="ko-KR" dirty="0"/>
+              <a:t>Hunting</a:t>
             </a:r>
             <a:endParaRPr lang="ko-KR" altLang="en-US" dirty="0"/>
           </a:p>
@@ -4608,10 +5368,10 @@
       </p:sp>
       <p:sp>
         <p:nvSpPr>
-          <p:cNvPr id="3" name="내용 개체 틀 2">
+          <p:cNvPr id="5" name="내용 개체 틀 4">
             <a:extLst>
               <a:ext uri="{FF2B5EF4-FFF2-40B4-BE49-F238E27FC236}">
-                <a16:creationId xmlns:a16="http://schemas.microsoft.com/office/drawing/2014/main" id="{AD5BF179-25E0-3387-492B-D16B06D9916C}"/>
+                <a16:creationId xmlns:a16="http://schemas.microsoft.com/office/drawing/2014/main" id="{93F50421-C24B-C042-B3EA-83479C063E97}"/>
               </a:ext>
             </a:extLst>
           </p:cNvPr>
@@ -4622,233 +5382,121 @@
             <p:ph idx="1"/>
           </p:nvPr>
         </p:nvSpPr>
-        <p:spPr/>
-        <p:txBody>
-          <a:bodyPr>
-            <a:normAutofit/>
+        <p:spPr>
+          <a:xfrm>
+            <a:off x="838200" y="1825625"/>
+            <a:ext cx="5324395" cy="4351338"/>
+          </a:xfrm>
+        </p:spPr>
+        <p:txBody>
+          <a:bodyPr/>
+          <a:lstStyle/>
+          <a:p>
+            <a:r>
+              <a:rPr lang="ko-KR" altLang="en-US" dirty="0"/>
+              <a:t>몇가지 취약점이 있는 웹사이트</a:t>
+            </a:r>
+            <a:endParaRPr lang="en-US" altLang="ko-KR" dirty="0"/>
+          </a:p>
+          <a:p>
+            <a:endParaRPr lang="en-US" altLang="ko-KR" dirty="0"/>
+          </a:p>
+          <a:p>
+            <a:r>
+              <a:rPr lang="en-US" altLang="ko-KR" dirty="0"/>
+              <a:t>URL </a:t>
+            </a:r>
+            <a:r>
+              <a:rPr lang="ko-KR" altLang="en-US" dirty="0"/>
+              <a:t>라우팅 아무것도 없음</a:t>
+            </a:r>
+            <a:endParaRPr lang="en-US" altLang="ko-KR" dirty="0"/>
+          </a:p>
+          <a:p>
+            <a:endParaRPr lang="en-US" altLang="ko-KR" dirty="0"/>
+          </a:p>
+          <a:p>
+            <a:r>
+              <a:rPr lang="en-US" altLang="ko-KR" dirty="0"/>
+              <a:t>Black Box Challenge</a:t>
+            </a:r>
+          </a:p>
+          <a:p>
+            <a:endParaRPr lang="en-US" altLang="ko-KR" dirty="0"/>
+          </a:p>
+          <a:p>
+            <a:endParaRPr lang="en-US" altLang="ko-KR" dirty="0"/>
+          </a:p>
+        </p:txBody>
+      </p:sp>
+      <p:pic>
+        <p:nvPicPr>
+          <p:cNvPr id="7" name="그림 6">
+            <a:extLst>
+              <a:ext uri="{FF2B5EF4-FFF2-40B4-BE49-F238E27FC236}">
+                <a16:creationId xmlns:a16="http://schemas.microsoft.com/office/drawing/2014/main" id="{0E48ECA6-A440-0CE0-326F-0F7C1424D6AB}"/>
+              </a:ext>
+            </a:extLst>
+          </p:cNvPr>
+          <p:cNvPicPr>
+            <a:picLocks noChangeAspect="1"/>
+          </p:cNvPicPr>
+          <p:nvPr/>
+        </p:nvPicPr>
+        <p:blipFill>
+          <a:blip r:embed="rId2"/>
+          <a:stretch>
+            <a:fillRect/>
+          </a:stretch>
+        </p:blipFill>
+        <p:spPr>
+          <a:xfrm>
+            <a:off x="6317238" y="1876925"/>
+            <a:ext cx="4684821" cy="3104149"/>
+          </a:xfrm>
+          <a:prstGeom prst="rect">
+            <a:avLst/>
+          </a:prstGeom>
+        </p:spPr>
+      </p:pic>
+      <p:sp>
+        <p:nvSpPr>
+          <p:cNvPr id="8" name="TextBox 7">
+            <a:extLst>
+              <a:ext uri="{FF2B5EF4-FFF2-40B4-BE49-F238E27FC236}">
+                <a16:creationId xmlns:a16="http://schemas.microsoft.com/office/drawing/2014/main" id="{10BBC45A-44F2-16A4-8CF4-AF607A5DF1B6}"/>
+              </a:ext>
+            </a:extLst>
+          </p:cNvPr>
+          <p:cNvSpPr txBox="1"/>
+          <p:nvPr/>
+        </p:nvSpPr>
+        <p:spPr>
+          <a:xfrm>
+            <a:off x="6357839" y="5592188"/>
+            <a:ext cx="4644220" cy="584775"/>
+          </a:xfrm>
+          <a:prstGeom prst="rect">
+            <a:avLst/>
+          </a:prstGeom>
+          <a:noFill/>
+        </p:spPr>
+        <p:txBody>
+          <a:bodyPr wrap="none" rtlCol="0">
+            <a:spAutoFit/>
           </a:bodyPr>
           <a:lstStyle/>
           <a:p>
             <a:r>
-              <a:rPr lang="ko-KR" altLang="en-US" sz="3200" dirty="0">
-                <a:latin typeface="AppleSDGothicNeoR00" panose="02000503000000000000" pitchFamily="2" charset="-128"/>
-                <a:ea typeface="AppleSDGothicNeoR00" panose="02000503000000000000" pitchFamily="2" charset="-128"/>
-                <a:cs typeface="Apple Symbols" panose="02000000000000000000" pitchFamily="2" charset="-79"/>
-              </a:rPr>
-              <a:t>정찰 </a:t>
-            </a:r>
-            <a:r>
-              <a:rPr lang="en-US" altLang="ko-KR" sz="3200" dirty="0">
-                <a:latin typeface="AppleSDGothicNeoR00" panose="02000503000000000000" pitchFamily="2" charset="-128"/>
-                <a:ea typeface="AppleSDGothicNeoR00" panose="02000503000000000000" pitchFamily="2" charset="-128"/>
-                <a:cs typeface="Apple Symbols" panose="02000000000000000000" pitchFamily="2" charset="-79"/>
-              </a:rPr>
-              <a:t>/ </a:t>
-            </a:r>
-            <a:r>
-              <a:rPr lang="ko-KR" altLang="en-US" sz="3200" dirty="0">
-                <a:latin typeface="AppleSDGothicNeoR00" panose="02000503000000000000" pitchFamily="2" charset="-128"/>
-                <a:ea typeface="AppleSDGothicNeoR00" panose="02000503000000000000" pitchFamily="2" charset="-128"/>
-                <a:cs typeface="Apple Symbols" panose="02000000000000000000" pitchFamily="2" charset="-79"/>
-              </a:rPr>
-              <a:t>정보수집</a:t>
-            </a:r>
-            <a:endParaRPr lang="en-US" altLang="ko-KR" sz="3200" dirty="0">
-              <a:latin typeface="AppleSDGothicNeoR00" panose="02000503000000000000" pitchFamily="2" charset="-128"/>
-              <a:ea typeface="AppleSDGothicNeoR00" panose="02000503000000000000" pitchFamily="2" charset="-128"/>
-              <a:cs typeface="Apple Symbols" panose="02000000000000000000" pitchFamily="2" charset="-79"/>
-            </a:endParaRPr>
-          </a:p>
-          <a:p>
-            <a:pPr lvl="1"/>
-            <a:r>
-              <a:rPr lang="ko-KR" altLang="en-US" dirty="0">
-                <a:latin typeface="AppleSDGothicNeoR00" panose="02000503000000000000" pitchFamily="2" charset="-128"/>
-                <a:ea typeface="AppleSDGothicNeoR00" panose="02000503000000000000" pitchFamily="2" charset="-128"/>
-                <a:cs typeface="Apple Symbols" panose="02000000000000000000" pitchFamily="2" charset="-79"/>
-              </a:rPr>
-              <a:t>포트 스캐닝 </a:t>
-            </a:r>
-            <a:r>
-              <a:rPr lang="en-US" altLang="ko-KR" dirty="0">
-                <a:latin typeface="AppleSDGothicNeoR00" panose="02000503000000000000" pitchFamily="2" charset="-128"/>
-                <a:ea typeface="AppleSDGothicNeoR00" panose="02000503000000000000" pitchFamily="2" charset="-128"/>
-                <a:cs typeface="Apple Symbols" panose="02000000000000000000" pitchFamily="2" charset="-79"/>
-              </a:rPr>
-              <a:t>: </a:t>
-            </a:r>
-            <a:r>
-              <a:rPr lang="en-US" altLang="ko-KR" dirty="0" err="1">
-                <a:latin typeface="AppleSDGothicNeoR00" panose="02000503000000000000" pitchFamily="2" charset="-128"/>
-                <a:ea typeface="AppleSDGothicNeoR00" panose="02000503000000000000" pitchFamily="2" charset="-128"/>
-                <a:cs typeface="Apple Symbols" panose="02000000000000000000" pitchFamily="2" charset="-79"/>
-              </a:rPr>
-              <a:t>nmap</a:t>
-            </a:r>
-            <a:endParaRPr lang="en-US" altLang="ko-KR" dirty="0">
-              <a:latin typeface="AppleSDGothicNeoR00" panose="02000503000000000000" pitchFamily="2" charset="-128"/>
-              <a:ea typeface="AppleSDGothicNeoR00" panose="02000503000000000000" pitchFamily="2" charset="-128"/>
-              <a:cs typeface="Apple Symbols" panose="02000000000000000000" pitchFamily="2" charset="-79"/>
-            </a:endParaRPr>
-          </a:p>
-          <a:p>
-            <a:pPr lvl="1"/>
-            <a:r>
-              <a:rPr lang="ko-KR" altLang="en-US" dirty="0">
-                <a:latin typeface="AppleSDGothicNeoR00" panose="02000503000000000000" pitchFamily="2" charset="-128"/>
-                <a:ea typeface="AppleSDGothicNeoR00" panose="02000503000000000000" pitchFamily="2" charset="-128"/>
-                <a:cs typeface="Apple Symbols" panose="02000000000000000000" pitchFamily="2" charset="-79"/>
-              </a:rPr>
-              <a:t>디렉토리 </a:t>
-            </a:r>
-            <a:r>
-              <a:rPr lang="en-US" altLang="ko-KR" dirty="0">
-                <a:latin typeface="AppleSDGothicNeoR00" panose="02000503000000000000" pitchFamily="2" charset="-128"/>
-                <a:ea typeface="AppleSDGothicNeoR00" panose="02000503000000000000" pitchFamily="2" charset="-128"/>
-                <a:cs typeface="Apple Symbols" panose="02000000000000000000" pitchFamily="2" charset="-79"/>
-              </a:rPr>
-              <a:t>/ </a:t>
-            </a:r>
-            <a:r>
-              <a:rPr lang="ko-KR" altLang="en-US" dirty="0">
-                <a:latin typeface="AppleSDGothicNeoR00" panose="02000503000000000000" pitchFamily="2" charset="-128"/>
-                <a:ea typeface="AppleSDGothicNeoR00" panose="02000503000000000000" pitchFamily="2" charset="-128"/>
-                <a:cs typeface="Apple Symbols" panose="02000000000000000000" pitchFamily="2" charset="-79"/>
-              </a:rPr>
-              <a:t>웹페이지 탐색 </a:t>
-            </a:r>
-            <a:r>
-              <a:rPr lang="en-US" altLang="ko-KR" dirty="0">
-                <a:latin typeface="AppleSDGothicNeoR00" panose="02000503000000000000" pitchFamily="2" charset="-128"/>
-                <a:ea typeface="AppleSDGothicNeoR00" panose="02000503000000000000" pitchFamily="2" charset="-128"/>
-                <a:cs typeface="Apple Symbols" panose="02000000000000000000" pitchFamily="2" charset="-79"/>
-              </a:rPr>
-              <a:t>: </a:t>
-            </a:r>
-            <a:r>
-              <a:rPr lang="en-US" altLang="ko-KR" dirty="0" err="1">
-                <a:latin typeface="AppleSDGothicNeoR00" panose="02000503000000000000" pitchFamily="2" charset="-128"/>
-                <a:ea typeface="AppleSDGothicNeoR00" panose="02000503000000000000" pitchFamily="2" charset="-128"/>
-                <a:cs typeface="Apple Symbols" panose="02000000000000000000" pitchFamily="2" charset="-79"/>
-              </a:rPr>
-              <a:t>goBuster</a:t>
-            </a:r>
-            <a:r>
-              <a:rPr lang="en-US" altLang="ko-KR" dirty="0">
-                <a:latin typeface="AppleSDGothicNeoR00" panose="02000503000000000000" pitchFamily="2" charset="-128"/>
-                <a:ea typeface="AppleSDGothicNeoR00" panose="02000503000000000000" pitchFamily="2" charset="-128"/>
-                <a:cs typeface="Apple Symbols" panose="02000000000000000000" pitchFamily="2" charset="-79"/>
-              </a:rPr>
-              <a:t> / </a:t>
-            </a:r>
-            <a:r>
-              <a:rPr lang="en-US" altLang="ko-KR" dirty="0" err="1">
-                <a:latin typeface="AppleSDGothicNeoR00" panose="02000503000000000000" pitchFamily="2" charset="-128"/>
-                <a:ea typeface="AppleSDGothicNeoR00" panose="02000503000000000000" pitchFamily="2" charset="-128"/>
-                <a:cs typeface="Apple Symbols" panose="02000000000000000000" pitchFamily="2" charset="-79"/>
-              </a:rPr>
-              <a:t>feroxbuster</a:t>
-            </a:r>
-            <a:r>
-              <a:rPr lang="en-US" altLang="ko-KR" dirty="0">
-                <a:latin typeface="AppleSDGothicNeoR00" panose="02000503000000000000" pitchFamily="2" charset="-128"/>
-                <a:ea typeface="AppleSDGothicNeoR00" panose="02000503000000000000" pitchFamily="2" charset="-128"/>
-                <a:cs typeface="Apple Symbols" panose="02000000000000000000" pitchFamily="2" charset="-79"/>
-              </a:rPr>
-              <a:t> / Burp Suite</a:t>
-            </a:r>
-          </a:p>
-          <a:p>
-            <a:pPr marL="457200" lvl="1" indent="0">
-              <a:buNone/>
-            </a:pPr>
-            <a:endParaRPr lang="en-US" altLang="ko-KR" dirty="0">
-              <a:latin typeface="AppleSDGothicNeoR00" panose="02000503000000000000" pitchFamily="2" charset="-128"/>
-              <a:ea typeface="AppleSDGothicNeoR00" panose="02000503000000000000" pitchFamily="2" charset="-128"/>
-              <a:cs typeface="Apple Symbols" panose="02000000000000000000" pitchFamily="2" charset="-79"/>
-            </a:endParaRPr>
-          </a:p>
-          <a:p>
-            <a:r>
-              <a:rPr lang="ko-KR" altLang="en-US" sz="3200" dirty="0">
-                <a:latin typeface="AppleSDGothicNeoR00" panose="02000503000000000000" pitchFamily="2" charset="-128"/>
-                <a:ea typeface="AppleSDGothicNeoR00" panose="02000503000000000000" pitchFamily="2" charset="-128"/>
-                <a:cs typeface="Apple Symbols" panose="02000000000000000000" pitchFamily="2" charset="-79"/>
-              </a:rPr>
-              <a:t>취약점 스캐닝</a:t>
-            </a:r>
-            <a:endParaRPr lang="en-US" altLang="ko-KR" sz="3200" dirty="0">
-              <a:latin typeface="AppleSDGothicNeoR00" panose="02000503000000000000" pitchFamily="2" charset="-128"/>
-              <a:ea typeface="AppleSDGothicNeoR00" panose="02000503000000000000" pitchFamily="2" charset="-128"/>
-              <a:cs typeface="Apple Symbols" panose="02000000000000000000" pitchFamily="2" charset="-79"/>
-            </a:endParaRPr>
-          </a:p>
-          <a:p>
-            <a:pPr lvl="1"/>
-            <a:r>
-              <a:rPr lang="en-US" altLang="ko-KR" dirty="0">
-                <a:latin typeface="AppleSDGothicNeoR00" panose="02000503000000000000" pitchFamily="2" charset="-128"/>
-                <a:ea typeface="AppleSDGothicNeoR00" panose="02000503000000000000" pitchFamily="2" charset="-128"/>
-                <a:cs typeface="Apple Symbols" panose="02000000000000000000" pitchFamily="2" charset="-79"/>
-              </a:rPr>
-              <a:t>SQL Injection : </a:t>
-            </a:r>
-            <a:r>
-              <a:rPr lang="en-US" altLang="ko-KR" dirty="0" err="1">
-                <a:latin typeface="AppleSDGothicNeoR00" panose="02000503000000000000" pitchFamily="2" charset="-128"/>
-                <a:ea typeface="AppleSDGothicNeoR00" panose="02000503000000000000" pitchFamily="2" charset="-128"/>
-                <a:cs typeface="Apple Symbols" panose="02000000000000000000" pitchFamily="2" charset="-79"/>
-              </a:rPr>
-              <a:t>SQLMap</a:t>
-            </a:r>
-            <a:endParaRPr lang="en-US" altLang="ko-KR" dirty="0">
-              <a:latin typeface="AppleSDGothicNeoR00" panose="02000503000000000000" pitchFamily="2" charset="-128"/>
-              <a:ea typeface="AppleSDGothicNeoR00" panose="02000503000000000000" pitchFamily="2" charset="-128"/>
-              <a:cs typeface="Apple Symbols" panose="02000000000000000000" pitchFamily="2" charset="-79"/>
-            </a:endParaRPr>
-          </a:p>
-          <a:p>
-            <a:pPr lvl="1"/>
-            <a:r>
-              <a:rPr lang="en-US" altLang="ko-KR" dirty="0" err="1">
-                <a:latin typeface="AppleSDGothicNeoR00" panose="02000503000000000000" pitchFamily="2" charset="-128"/>
-                <a:ea typeface="AppleSDGothicNeoR00" panose="02000503000000000000" pitchFamily="2" charset="-128"/>
-                <a:cs typeface="Apple Symbols" panose="02000000000000000000" pitchFamily="2" charset="-79"/>
-              </a:rPr>
-              <a:t>XSS</a:t>
-            </a:r>
-            <a:r>
-              <a:rPr lang="en-US" altLang="ko-KR" dirty="0">
-                <a:latin typeface="AppleSDGothicNeoR00" panose="02000503000000000000" pitchFamily="2" charset="-128"/>
-                <a:ea typeface="AppleSDGothicNeoR00" panose="02000503000000000000" pitchFamily="2" charset="-128"/>
-                <a:cs typeface="Apple Symbols" panose="02000000000000000000" pitchFamily="2" charset="-79"/>
-              </a:rPr>
-              <a:t> : </a:t>
-            </a:r>
-            <a:r>
-              <a:rPr lang="en-US" altLang="ko-KR" dirty="0" err="1">
-                <a:latin typeface="AppleSDGothicNeoR00" panose="02000503000000000000" pitchFamily="2" charset="-128"/>
-                <a:ea typeface="AppleSDGothicNeoR00" panose="02000503000000000000" pitchFamily="2" charset="-128"/>
-                <a:cs typeface="Apple Symbols" panose="02000000000000000000" pitchFamily="2" charset="-79"/>
-              </a:rPr>
-              <a:t>XSStrike</a:t>
-            </a:r>
-            <a:endParaRPr lang="en-US" altLang="ko-KR" dirty="0">
-              <a:latin typeface="AppleSDGothicNeoR00" panose="02000503000000000000" pitchFamily="2" charset="-128"/>
-              <a:ea typeface="AppleSDGothicNeoR00" panose="02000503000000000000" pitchFamily="2" charset="-128"/>
-              <a:cs typeface="Apple Symbols" panose="02000000000000000000" pitchFamily="2" charset="-79"/>
-            </a:endParaRPr>
-          </a:p>
-          <a:p>
-            <a:pPr lvl="1"/>
-            <a:r>
-              <a:rPr lang="en-US" altLang="ko-KR" dirty="0">
-                <a:latin typeface="AppleSDGothicNeoR00" panose="02000503000000000000" pitchFamily="2" charset="-128"/>
-                <a:ea typeface="AppleSDGothicNeoR00" panose="02000503000000000000" pitchFamily="2" charset="-128"/>
-                <a:cs typeface="Apple Symbols" panose="02000000000000000000" pitchFamily="2" charset="-79"/>
-              </a:rPr>
-              <a:t>Burp Suite</a:t>
-            </a:r>
+              <a:rPr lang="en-US" altLang="ko-KR" sz="1600" dirty="0">
+                <a:hlinkClick r:id="rId3"/>
+              </a:rPr>
+              <a:t>https://github.com/mirusu400/fuzzing-bug-hunting</a:t>
+            </a:r>
+            <a:endParaRPr lang="en-US" altLang="ko-KR" sz="1600" dirty="0"/>
+          </a:p>
+          <a:p>
+            <a:endParaRPr lang="ko-KR" altLang="en-US" sz="1600" dirty="0"/>
           </a:p>
         </p:txBody>
       </p:sp>
@@ -4887,7 +5535,7 @@
           <p:cNvPr id="2" name="제목 1">
             <a:extLst>
               <a:ext uri="{FF2B5EF4-FFF2-40B4-BE49-F238E27FC236}">
-                <a16:creationId xmlns:a16="http://schemas.microsoft.com/office/drawing/2014/main" id="{FAD0392E-3E08-0310-A47A-B7BAD1783490}"/>
+                <a16:creationId xmlns:a16="http://schemas.microsoft.com/office/drawing/2014/main" id="{F3171F70-233A-7CFF-1E8A-C1B8715ABABA}"/>
               </a:ext>
             </a:extLst>
           </p:cNvPr>
@@ -4898,29 +5546,1423 @@
             <p:ph type="title"/>
           </p:nvPr>
         </p:nvSpPr>
+        <p:spPr/>
+        <p:txBody>
+          <a:bodyPr/>
+          <a:lstStyle/>
+          <a:p>
+            <a:r>
+              <a:rPr lang="en-US" altLang="ko-KR" dirty="0"/>
+              <a:t>Bug</a:t>
+            </a:r>
+            <a:r>
+              <a:rPr lang="ko-KR" altLang="en-US" dirty="0"/>
+              <a:t> </a:t>
+            </a:r>
+            <a:r>
+              <a:rPr lang="en-US" altLang="ko-KR" dirty="0"/>
+              <a:t>Hunting – Web Content Crawling</a:t>
+            </a:r>
+            <a:endParaRPr lang="ko-KR" altLang="en-US" dirty="0"/>
+          </a:p>
+        </p:txBody>
+      </p:sp>
+      <p:sp>
+        <p:nvSpPr>
+          <p:cNvPr id="4" name="내용 개체 틀 3">
+            <a:extLst>
+              <a:ext uri="{FF2B5EF4-FFF2-40B4-BE49-F238E27FC236}">
+                <a16:creationId xmlns:a16="http://schemas.microsoft.com/office/drawing/2014/main" id="{C81DF4DA-290B-DCDB-4018-4D78A7A580E4}"/>
+              </a:ext>
+            </a:extLst>
+          </p:cNvPr>
+          <p:cNvSpPr>
+            <a:spLocks noGrp="1"/>
+          </p:cNvSpPr>
+          <p:nvPr>
+            <p:ph idx="1"/>
+          </p:nvPr>
+        </p:nvSpPr>
         <p:spPr>
           <a:xfrm>
-            <a:off x="3661063" y="2766218"/>
-            <a:ext cx="4869873" cy="1325563"/>
+            <a:off x="7445828" y="1825625"/>
+            <a:ext cx="3907971" cy="4351338"/>
           </a:xfrm>
         </p:spPr>
         <p:txBody>
           <a:bodyPr/>
           <a:lstStyle/>
           <a:p>
+            <a:r>
+              <a:rPr lang="en-US" altLang="ko-KR" dirty="0"/>
+              <a:t>/admin</a:t>
+            </a:r>
+          </a:p>
+          <a:p>
+            <a:r>
+              <a:rPr lang="en-US" altLang="ko-KR" dirty="0"/>
+              <a:t>/memo</a:t>
+            </a:r>
+          </a:p>
+          <a:p>
+            <a:r>
+              <a:rPr lang="en-US" altLang="ko-KR" dirty="0"/>
+              <a:t>/report</a:t>
+            </a:r>
+          </a:p>
+          <a:p>
+            <a:endParaRPr lang="ko-KR" altLang="en-US" dirty="0"/>
+          </a:p>
+        </p:txBody>
+      </p:sp>
+      <p:pic>
+        <p:nvPicPr>
+          <p:cNvPr id="11" name="그림 10">
+            <a:extLst>
+              <a:ext uri="{FF2B5EF4-FFF2-40B4-BE49-F238E27FC236}">
+                <a16:creationId xmlns:a16="http://schemas.microsoft.com/office/drawing/2014/main" id="{4E72E5D4-73C0-E659-55DE-28BA8F8CDD81}"/>
+              </a:ext>
+            </a:extLst>
+          </p:cNvPr>
+          <p:cNvPicPr>
+            <a:picLocks noChangeAspect="1"/>
+          </p:cNvPicPr>
+          <p:nvPr/>
+        </p:nvPicPr>
+        <p:blipFill>
+          <a:blip r:embed="rId3"/>
+          <a:stretch>
+            <a:fillRect/>
+          </a:stretch>
+        </p:blipFill>
+        <p:spPr>
+          <a:xfrm>
+            <a:off x="357259" y="1629015"/>
+            <a:ext cx="6690433" cy="4547948"/>
+          </a:xfrm>
+          <a:prstGeom prst="rect">
+            <a:avLst/>
+          </a:prstGeom>
+        </p:spPr>
+      </p:pic>
+      <p:sp>
+        <p:nvSpPr>
+          <p:cNvPr id="14" name="직사각형 13">
+            <a:extLst>
+              <a:ext uri="{FF2B5EF4-FFF2-40B4-BE49-F238E27FC236}">
+                <a16:creationId xmlns:a16="http://schemas.microsoft.com/office/drawing/2014/main" id="{4CBD2FF8-2893-7A51-407F-2722577F2B9E}"/>
+              </a:ext>
+            </a:extLst>
+          </p:cNvPr>
+          <p:cNvSpPr/>
+          <p:nvPr/>
+        </p:nvSpPr>
+        <p:spPr>
+          <a:xfrm>
+            <a:off x="357259" y="4541264"/>
+            <a:ext cx="6235642" cy="1221761"/>
+          </a:xfrm>
+          <a:prstGeom prst="rect">
+            <a:avLst/>
+          </a:prstGeom>
+          <a:noFill/>
+          <a:ln w="38100">
+            <a:solidFill>
+              <a:srgbClr val="FF0000"/>
+            </a:solidFill>
+          </a:ln>
+        </p:spPr>
+        <p:style>
+          <a:lnRef idx="2">
+            <a:schemeClr val="accent1">
+              <a:shade val="15000"/>
+            </a:schemeClr>
+          </a:lnRef>
+          <a:fillRef idx="1">
+            <a:schemeClr val="accent1"/>
+          </a:fillRef>
+          <a:effectRef idx="0">
+            <a:schemeClr val="accent1"/>
+          </a:effectRef>
+          <a:fontRef idx="minor">
+            <a:schemeClr val="lt1"/>
+          </a:fontRef>
+        </p:style>
+        <p:txBody>
+          <a:bodyPr rtlCol="0" anchor="ctr"/>
+          <a:lstStyle/>
+          <a:p>
             <a:pPr algn="ctr"/>
-            <a:r>
-              <a:rPr lang="en-US" altLang="ko-KR" dirty="0"/>
-              <a:t>Question?</a:t>
-            </a:r>
-            <a:endParaRPr lang="ko-KR" altLang="en-US" dirty="0"/>
+            <a:endParaRPr lang="ko-KR" altLang="en-US"/>
           </a:p>
         </p:txBody>
       </p:sp>
     </p:spTree>
     <p:extLst>
       <p:ext uri="{BB962C8B-B14F-4D97-AF65-F5344CB8AC3E}">
-        <p14:creationId xmlns:p14="http://schemas.microsoft.com/office/powerpoint/2010/main" val="48580749"/>
+        <p14:creationId xmlns:p14="http://schemas.microsoft.com/office/powerpoint/2010/main" val="205059633"/>
+      </p:ext>
+    </p:extLst>
+  </p:cSld>
+  <p:clrMapOvr>
+    <a:masterClrMapping/>
+  </p:clrMapOvr>
+</p:sld>
+</file>
+
+<file path=ppt/slides/slide14.xml><?xml version="1.0" encoding="utf-8"?>
+<p:sld xmlns:a="http://schemas.openxmlformats.org/drawingml/2006/main" xmlns:r="http://schemas.openxmlformats.org/officeDocument/2006/relationships" xmlns:p="http://schemas.openxmlformats.org/presentationml/2006/main">
+  <p:cSld>
+    <p:spTree>
+      <p:nvGrpSpPr>
+        <p:cNvPr id="1" name=""/>
+        <p:cNvGrpSpPr/>
+        <p:nvPr/>
+      </p:nvGrpSpPr>
+      <p:grpSpPr>
+        <a:xfrm>
+          <a:off x="0" y="0"/>
+          <a:ext cx="0" cy="0"/>
+          <a:chOff x="0" y="0"/>
+          <a:chExt cx="0" cy="0"/>
+        </a:xfrm>
+      </p:grpSpPr>
+      <p:sp>
+        <p:nvSpPr>
+          <p:cNvPr id="2" name="제목 1">
+            <a:extLst>
+              <a:ext uri="{FF2B5EF4-FFF2-40B4-BE49-F238E27FC236}">
+                <a16:creationId xmlns:a16="http://schemas.microsoft.com/office/drawing/2014/main" id="{F3171F70-233A-7CFF-1E8A-C1B8715ABABA}"/>
+              </a:ext>
+            </a:extLst>
+          </p:cNvPr>
+          <p:cNvSpPr>
+            <a:spLocks noGrp="1"/>
+          </p:cNvSpPr>
+          <p:nvPr>
+            <p:ph type="title"/>
+          </p:nvPr>
+        </p:nvSpPr>
+        <p:spPr/>
+        <p:txBody>
+          <a:bodyPr/>
+          <a:lstStyle/>
+          <a:p>
+            <a:r>
+              <a:rPr lang="en-US" altLang="ko-KR" dirty="0"/>
+              <a:t>Bug</a:t>
+            </a:r>
+            <a:r>
+              <a:rPr lang="ko-KR" altLang="en-US" dirty="0"/>
+              <a:t> </a:t>
+            </a:r>
+            <a:r>
+              <a:rPr lang="en-US" altLang="ko-KR" dirty="0"/>
+              <a:t>Hunting – Web Content Crawling</a:t>
+            </a:r>
+            <a:endParaRPr lang="ko-KR" altLang="en-US" dirty="0"/>
+          </a:p>
+        </p:txBody>
+      </p:sp>
+      <p:pic>
+        <p:nvPicPr>
+          <p:cNvPr id="13" name="그림 12">
+            <a:extLst>
+              <a:ext uri="{FF2B5EF4-FFF2-40B4-BE49-F238E27FC236}">
+                <a16:creationId xmlns:a16="http://schemas.microsoft.com/office/drawing/2014/main" id="{3E2E491A-517A-EF3A-7B35-43D7F77AB297}"/>
+              </a:ext>
+            </a:extLst>
+          </p:cNvPr>
+          <p:cNvPicPr>
+            <a:picLocks noChangeAspect="1"/>
+          </p:cNvPicPr>
+          <p:nvPr/>
+        </p:nvPicPr>
+        <p:blipFill>
+          <a:blip r:embed="rId3"/>
+          <a:stretch>
+            <a:fillRect/>
+          </a:stretch>
+        </p:blipFill>
+        <p:spPr>
+          <a:xfrm>
+            <a:off x="577385" y="1690688"/>
+            <a:ext cx="5177956" cy="4713787"/>
+          </a:xfrm>
+          <a:prstGeom prst="rect">
+            <a:avLst/>
+          </a:prstGeom>
+        </p:spPr>
+      </p:pic>
+      <p:pic>
+        <p:nvPicPr>
+          <p:cNvPr id="7" name="그림 6">
+            <a:extLst>
+              <a:ext uri="{FF2B5EF4-FFF2-40B4-BE49-F238E27FC236}">
+                <a16:creationId xmlns:a16="http://schemas.microsoft.com/office/drawing/2014/main" id="{FDC49CC7-8BB2-C049-4585-4311974C5447}"/>
+              </a:ext>
+            </a:extLst>
+          </p:cNvPr>
+          <p:cNvPicPr>
+            <a:picLocks noChangeAspect="1"/>
+          </p:cNvPicPr>
+          <p:nvPr/>
+        </p:nvPicPr>
+        <p:blipFill>
+          <a:blip r:embed="rId4"/>
+          <a:stretch>
+            <a:fillRect/>
+          </a:stretch>
+        </p:blipFill>
+        <p:spPr>
+          <a:xfrm>
+            <a:off x="4464423" y="3429000"/>
+            <a:ext cx="6715845" cy="3246251"/>
+          </a:xfrm>
+          <a:prstGeom prst="rect">
+            <a:avLst/>
+          </a:prstGeom>
+        </p:spPr>
+      </p:pic>
+      <p:sp>
+        <p:nvSpPr>
+          <p:cNvPr id="8" name="직사각형 7">
+            <a:extLst>
+              <a:ext uri="{FF2B5EF4-FFF2-40B4-BE49-F238E27FC236}">
+                <a16:creationId xmlns:a16="http://schemas.microsoft.com/office/drawing/2014/main" id="{201EA9EF-BC1D-199C-4067-DB70661878A5}"/>
+              </a:ext>
+            </a:extLst>
+          </p:cNvPr>
+          <p:cNvSpPr/>
+          <p:nvPr/>
+        </p:nvSpPr>
+        <p:spPr>
+          <a:xfrm>
+            <a:off x="4456739" y="4203166"/>
+            <a:ext cx="6715846" cy="1021977"/>
+          </a:xfrm>
+          <a:prstGeom prst="rect">
+            <a:avLst/>
+          </a:prstGeom>
+          <a:noFill/>
+          <a:ln w="38100">
+            <a:solidFill>
+              <a:srgbClr val="FF0000"/>
+            </a:solidFill>
+          </a:ln>
+        </p:spPr>
+        <p:style>
+          <a:lnRef idx="2">
+            <a:schemeClr val="accent1">
+              <a:shade val="15000"/>
+            </a:schemeClr>
+          </a:lnRef>
+          <a:fillRef idx="1">
+            <a:schemeClr val="accent1"/>
+          </a:fillRef>
+          <a:effectRef idx="0">
+            <a:schemeClr val="accent1"/>
+          </a:effectRef>
+          <a:fontRef idx="minor">
+            <a:schemeClr val="lt1"/>
+          </a:fontRef>
+        </p:style>
+        <p:txBody>
+          <a:bodyPr rtlCol="0" anchor="ctr"/>
+          <a:lstStyle/>
+          <a:p>
+            <a:pPr algn="ctr"/>
+            <a:endParaRPr lang="ko-KR" altLang="en-US"/>
+          </a:p>
+        </p:txBody>
+      </p:sp>
+      <p:sp>
+        <p:nvSpPr>
+          <p:cNvPr id="9" name="TextBox 8">
+            <a:extLst>
+              <a:ext uri="{FF2B5EF4-FFF2-40B4-BE49-F238E27FC236}">
+                <a16:creationId xmlns:a16="http://schemas.microsoft.com/office/drawing/2014/main" id="{98931FD0-4F91-BBD7-E26F-A0143A848FAE}"/>
+              </a:ext>
+            </a:extLst>
+          </p:cNvPr>
+          <p:cNvSpPr txBox="1"/>
+          <p:nvPr/>
+        </p:nvSpPr>
+        <p:spPr>
+          <a:xfrm>
+            <a:off x="6216383" y="2184909"/>
+            <a:ext cx="5312673" cy="461665"/>
+          </a:xfrm>
+          <a:prstGeom prst="rect">
+            <a:avLst/>
+          </a:prstGeom>
+          <a:noFill/>
+        </p:spPr>
+        <p:txBody>
+          <a:bodyPr wrap="none" rtlCol="0">
+            <a:spAutoFit/>
+          </a:bodyPr>
+          <a:lstStyle/>
+          <a:p>
+            <a:r>
+              <a:rPr lang="en-US" altLang="ko-KR" sz="2400" dirty="0"/>
+              <a:t>Burp </a:t>
+            </a:r>
+            <a:r>
+              <a:rPr lang="en-US" altLang="ko-KR" sz="2400" dirty="0" err="1"/>
+              <a:t>Suiste</a:t>
+            </a:r>
+            <a:r>
+              <a:rPr lang="ko-KR" altLang="en-US" sz="2400" dirty="0"/>
+              <a:t>를 이용한 </a:t>
+            </a:r>
+            <a:r>
+              <a:rPr lang="en-US" altLang="ko-KR" sz="2400" dirty="0"/>
+              <a:t>Crawling / Auditing</a:t>
+            </a:r>
+            <a:endParaRPr lang="ko-KR" altLang="en-US" sz="2400" dirty="0"/>
+          </a:p>
+        </p:txBody>
+      </p:sp>
+    </p:spTree>
+    <p:extLst>
+      <p:ext uri="{BB962C8B-B14F-4D97-AF65-F5344CB8AC3E}">
+        <p14:creationId xmlns:p14="http://schemas.microsoft.com/office/powerpoint/2010/main" val="1265520960"/>
+      </p:ext>
+    </p:extLst>
+  </p:cSld>
+  <p:clrMapOvr>
+    <a:masterClrMapping/>
+  </p:clrMapOvr>
+</p:sld>
+</file>
+
+<file path=ppt/slides/slide15.xml><?xml version="1.0" encoding="utf-8"?>
+<p:sld xmlns:a="http://schemas.openxmlformats.org/drawingml/2006/main" xmlns:r="http://schemas.openxmlformats.org/officeDocument/2006/relationships" xmlns:p="http://schemas.openxmlformats.org/presentationml/2006/main">
+  <p:cSld>
+    <p:spTree>
+      <p:nvGrpSpPr>
+        <p:cNvPr id="1" name=""/>
+        <p:cNvGrpSpPr/>
+        <p:nvPr/>
+      </p:nvGrpSpPr>
+      <p:grpSpPr>
+        <a:xfrm>
+          <a:off x="0" y="0"/>
+          <a:ext cx="0" cy="0"/>
+          <a:chOff x="0" y="0"/>
+          <a:chExt cx="0" cy="0"/>
+        </a:xfrm>
+      </p:grpSpPr>
+      <p:sp>
+        <p:nvSpPr>
+          <p:cNvPr id="2" name="제목 1">
+            <a:extLst>
+              <a:ext uri="{FF2B5EF4-FFF2-40B4-BE49-F238E27FC236}">
+                <a16:creationId xmlns:a16="http://schemas.microsoft.com/office/drawing/2014/main" id="{F3171F70-233A-7CFF-1E8A-C1B8715ABABA}"/>
+              </a:ext>
+            </a:extLst>
+          </p:cNvPr>
+          <p:cNvSpPr>
+            <a:spLocks noGrp="1"/>
+          </p:cNvSpPr>
+          <p:nvPr>
+            <p:ph type="title"/>
+          </p:nvPr>
+        </p:nvSpPr>
+        <p:spPr/>
+        <p:txBody>
+          <a:bodyPr/>
+          <a:lstStyle/>
+          <a:p>
+            <a:r>
+              <a:rPr lang="en-US" altLang="ko-KR" dirty="0"/>
+              <a:t>Bug</a:t>
+            </a:r>
+            <a:r>
+              <a:rPr lang="ko-KR" altLang="en-US" dirty="0"/>
+              <a:t> </a:t>
+            </a:r>
+            <a:r>
+              <a:rPr lang="en-US" altLang="ko-KR" dirty="0"/>
+              <a:t>Hunting – Web Content Crawling</a:t>
+            </a:r>
+            <a:endParaRPr lang="ko-KR" altLang="en-US" dirty="0"/>
+          </a:p>
+        </p:txBody>
+      </p:sp>
+      <p:pic>
+        <p:nvPicPr>
+          <p:cNvPr id="4" name="그림 3">
+            <a:extLst>
+              <a:ext uri="{FF2B5EF4-FFF2-40B4-BE49-F238E27FC236}">
+                <a16:creationId xmlns:a16="http://schemas.microsoft.com/office/drawing/2014/main" id="{DEBA48C4-53D6-977A-B7EB-16890FD0F43D}"/>
+              </a:ext>
+            </a:extLst>
+          </p:cNvPr>
+          <p:cNvPicPr>
+            <a:picLocks noChangeAspect="1"/>
+          </p:cNvPicPr>
+          <p:nvPr/>
+        </p:nvPicPr>
+        <p:blipFill>
+          <a:blip r:embed="rId3"/>
+          <a:stretch>
+            <a:fillRect/>
+          </a:stretch>
+        </p:blipFill>
+        <p:spPr>
+          <a:xfrm>
+            <a:off x="901469" y="1690688"/>
+            <a:ext cx="3466380" cy="2483447"/>
+          </a:xfrm>
+          <a:prstGeom prst="rect">
+            <a:avLst/>
+          </a:prstGeom>
+        </p:spPr>
+      </p:pic>
+      <p:pic>
+        <p:nvPicPr>
+          <p:cNvPr id="6" name="그림 5">
+            <a:extLst>
+              <a:ext uri="{FF2B5EF4-FFF2-40B4-BE49-F238E27FC236}">
+                <a16:creationId xmlns:a16="http://schemas.microsoft.com/office/drawing/2014/main" id="{E66D7702-9416-2D49-ABA8-AB2323EEC1FC}"/>
+              </a:ext>
+            </a:extLst>
+          </p:cNvPr>
+          <p:cNvPicPr>
+            <a:picLocks noChangeAspect="1"/>
+          </p:cNvPicPr>
+          <p:nvPr/>
+        </p:nvPicPr>
+        <p:blipFill>
+          <a:blip r:embed="rId4"/>
+          <a:stretch>
+            <a:fillRect/>
+          </a:stretch>
+        </p:blipFill>
+        <p:spPr>
+          <a:xfrm>
+            <a:off x="1290093" y="3609619"/>
+            <a:ext cx="4145577" cy="2883255"/>
+          </a:xfrm>
+          <a:prstGeom prst="rect">
+            <a:avLst/>
+          </a:prstGeom>
+          <a:solidFill>
+            <a:srgbClr val="FFFFFF">
+              <a:shade val="85000"/>
+            </a:srgbClr>
+          </a:solidFill>
+          <a:ln w="88900" cap="sq">
+            <a:solidFill>
+              <a:srgbClr val="FFFFFF"/>
+            </a:solidFill>
+            <a:miter lim="800000"/>
+          </a:ln>
+          <a:effectLst>
+            <a:outerShdw blurRad="55000" dist="18000" dir="5400000" algn="tl" rotWithShape="0">
+              <a:srgbClr val="000000">
+                <a:alpha val="40000"/>
+              </a:srgbClr>
+            </a:outerShdw>
+          </a:effectLst>
+          <a:scene3d>
+            <a:camera prst="orthographicFront"/>
+            <a:lightRig rig="twoPt" dir="t">
+              <a:rot lat="0" lon="0" rev="7200000"/>
+            </a:lightRig>
+          </a:scene3d>
+          <a:sp3d>
+            <a:bevelT w="25400" h="19050"/>
+            <a:contourClr>
+              <a:srgbClr val="FFFFFF"/>
+            </a:contourClr>
+          </a:sp3d>
+        </p:spPr>
+      </p:pic>
+      <p:sp>
+        <p:nvSpPr>
+          <p:cNvPr id="11" name="화살표: 오른쪽 10">
+            <a:extLst>
+              <a:ext uri="{FF2B5EF4-FFF2-40B4-BE49-F238E27FC236}">
+                <a16:creationId xmlns:a16="http://schemas.microsoft.com/office/drawing/2014/main" id="{A68130D2-2F14-296E-42DE-6CC3CB5626B6}"/>
+              </a:ext>
+            </a:extLst>
+          </p:cNvPr>
+          <p:cNvSpPr/>
+          <p:nvPr/>
+        </p:nvSpPr>
+        <p:spPr>
+          <a:xfrm>
+            <a:off x="5240511" y="2708622"/>
+            <a:ext cx="1454348" cy="720378"/>
+          </a:xfrm>
+          <a:prstGeom prst="rightArrow">
+            <a:avLst/>
+          </a:prstGeom>
+        </p:spPr>
+        <p:style>
+          <a:lnRef idx="2">
+            <a:schemeClr val="accent1">
+              <a:shade val="15000"/>
+            </a:schemeClr>
+          </a:lnRef>
+          <a:fillRef idx="1">
+            <a:schemeClr val="accent1"/>
+          </a:fillRef>
+          <a:effectRef idx="0">
+            <a:schemeClr val="accent1"/>
+          </a:effectRef>
+          <a:fontRef idx="minor">
+            <a:schemeClr val="lt1"/>
+          </a:fontRef>
+        </p:style>
+        <p:txBody>
+          <a:bodyPr rtlCol="0" anchor="ctr"/>
+          <a:lstStyle/>
+          <a:p>
+            <a:pPr algn="ctr"/>
+            <a:endParaRPr lang="ko-KR" altLang="en-US"/>
+          </a:p>
+        </p:txBody>
+      </p:sp>
+      <p:sp>
+        <p:nvSpPr>
+          <p:cNvPr id="12" name="TextBox 11">
+            <a:extLst>
+              <a:ext uri="{FF2B5EF4-FFF2-40B4-BE49-F238E27FC236}">
+                <a16:creationId xmlns:a16="http://schemas.microsoft.com/office/drawing/2014/main" id="{77F5105A-50F0-B7A1-E3DC-9A0E1108B7DA}"/>
+              </a:ext>
+            </a:extLst>
+          </p:cNvPr>
+          <p:cNvSpPr txBox="1"/>
+          <p:nvPr/>
+        </p:nvSpPr>
+        <p:spPr>
+          <a:xfrm>
+            <a:off x="6756331" y="5588011"/>
+            <a:ext cx="3222419" cy="461665"/>
+          </a:xfrm>
+          <a:prstGeom prst="rect">
+            <a:avLst/>
+          </a:prstGeom>
+          <a:noFill/>
+        </p:spPr>
+        <p:txBody>
+          <a:bodyPr wrap="square" rtlCol="0">
+            <a:spAutoFit/>
+          </a:bodyPr>
+          <a:lstStyle/>
+          <a:p>
+            <a:r>
+              <a:rPr lang="en-US" altLang="ko-KR" sz="2400" b="1" dirty="0">
+                <a:solidFill>
+                  <a:srgbClr val="FF0000"/>
+                </a:solidFill>
+              </a:rPr>
+              <a:t>Reflected XSS </a:t>
+            </a:r>
+            <a:r>
+              <a:rPr lang="ko-KR" altLang="en-US" sz="2400" b="1" dirty="0">
+                <a:solidFill>
+                  <a:srgbClr val="FF0000"/>
+                </a:solidFill>
+              </a:rPr>
+              <a:t>탐지</a:t>
+            </a:r>
+            <a:r>
+              <a:rPr lang="en-US" altLang="ko-KR" sz="2400" b="1" dirty="0">
+                <a:solidFill>
+                  <a:srgbClr val="FF0000"/>
+                </a:solidFill>
+              </a:rPr>
+              <a:t>!</a:t>
+            </a:r>
+            <a:endParaRPr lang="ko-KR" altLang="en-US" sz="2400" b="1" dirty="0">
+              <a:solidFill>
+                <a:srgbClr val="FF0000"/>
+              </a:solidFill>
+            </a:endParaRPr>
+          </a:p>
+        </p:txBody>
+      </p:sp>
+      <p:pic>
+        <p:nvPicPr>
+          <p:cNvPr id="15" name="그림 14">
+            <a:extLst>
+              <a:ext uri="{FF2B5EF4-FFF2-40B4-BE49-F238E27FC236}">
+                <a16:creationId xmlns:a16="http://schemas.microsoft.com/office/drawing/2014/main" id="{7DC06303-F68F-A015-B871-9158615A8B43}"/>
+              </a:ext>
+            </a:extLst>
+          </p:cNvPr>
+          <p:cNvPicPr>
+            <a:picLocks noChangeAspect="1"/>
+          </p:cNvPicPr>
+          <p:nvPr/>
+        </p:nvPicPr>
+        <p:blipFill>
+          <a:blip r:embed="rId5"/>
+          <a:stretch>
+            <a:fillRect/>
+          </a:stretch>
+        </p:blipFill>
+        <p:spPr>
+          <a:xfrm>
+            <a:off x="6878008" y="2075214"/>
+            <a:ext cx="4829604" cy="3068811"/>
+          </a:xfrm>
+          <a:prstGeom prst="rect">
+            <a:avLst/>
+          </a:prstGeom>
+        </p:spPr>
+      </p:pic>
+    </p:spTree>
+    <p:extLst>
+      <p:ext uri="{BB962C8B-B14F-4D97-AF65-F5344CB8AC3E}">
+        <p14:creationId xmlns:p14="http://schemas.microsoft.com/office/powerpoint/2010/main" val="1753915572"/>
+      </p:ext>
+    </p:extLst>
+  </p:cSld>
+  <p:clrMapOvr>
+    <a:masterClrMapping/>
+  </p:clrMapOvr>
+</p:sld>
+</file>
+
+<file path=ppt/slides/slide16.xml><?xml version="1.0" encoding="utf-8"?>
+<p:sld xmlns:a="http://schemas.openxmlformats.org/drawingml/2006/main" xmlns:r="http://schemas.openxmlformats.org/officeDocument/2006/relationships" xmlns:p="http://schemas.openxmlformats.org/presentationml/2006/main">
+  <p:cSld>
+    <p:spTree>
+      <p:nvGrpSpPr>
+        <p:cNvPr id="1" name=""/>
+        <p:cNvGrpSpPr/>
+        <p:nvPr/>
+      </p:nvGrpSpPr>
+      <p:grpSpPr>
+        <a:xfrm>
+          <a:off x="0" y="0"/>
+          <a:ext cx="0" cy="0"/>
+          <a:chOff x="0" y="0"/>
+          <a:chExt cx="0" cy="0"/>
+        </a:xfrm>
+      </p:grpSpPr>
+      <p:sp>
+        <p:nvSpPr>
+          <p:cNvPr id="2" name="제목 1">
+            <a:extLst>
+              <a:ext uri="{FF2B5EF4-FFF2-40B4-BE49-F238E27FC236}">
+                <a16:creationId xmlns:a16="http://schemas.microsoft.com/office/drawing/2014/main" id="{F3171F70-233A-7CFF-1E8A-C1B8715ABABA}"/>
+              </a:ext>
+            </a:extLst>
+          </p:cNvPr>
+          <p:cNvSpPr>
+            <a:spLocks noGrp="1"/>
+          </p:cNvSpPr>
+          <p:nvPr>
+            <p:ph type="title"/>
+          </p:nvPr>
+        </p:nvSpPr>
+        <p:spPr/>
+        <p:txBody>
+          <a:bodyPr/>
+          <a:lstStyle/>
+          <a:p>
+            <a:r>
+              <a:rPr lang="en-US" altLang="ko-KR" dirty="0"/>
+              <a:t>Bug</a:t>
+            </a:r>
+            <a:r>
+              <a:rPr lang="ko-KR" altLang="en-US" dirty="0"/>
+              <a:t> </a:t>
+            </a:r>
+            <a:r>
+              <a:rPr lang="en-US" altLang="ko-KR" dirty="0"/>
+              <a:t>Hunting – Web Content Crawling</a:t>
+            </a:r>
+            <a:endParaRPr lang="ko-KR" altLang="en-US" dirty="0"/>
+          </a:p>
+        </p:txBody>
+      </p:sp>
+      <p:sp>
+        <p:nvSpPr>
+          <p:cNvPr id="12" name="TextBox 11">
+            <a:extLst>
+              <a:ext uri="{FF2B5EF4-FFF2-40B4-BE49-F238E27FC236}">
+                <a16:creationId xmlns:a16="http://schemas.microsoft.com/office/drawing/2014/main" id="{77F5105A-50F0-B7A1-E3DC-9A0E1108B7DA}"/>
+              </a:ext>
+            </a:extLst>
+          </p:cNvPr>
+          <p:cNvSpPr txBox="1"/>
+          <p:nvPr/>
+        </p:nvSpPr>
+        <p:spPr>
+          <a:xfrm>
+            <a:off x="3227295" y="5864636"/>
+            <a:ext cx="5340402" cy="461665"/>
+          </a:xfrm>
+          <a:prstGeom prst="rect">
+            <a:avLst/>
+          </a:prstGeom>
+          <a:noFill/>
+        </p:spPr>
+        <p:txBody>
+          <a:bodyPr wrap="square" rtlCol="0">
+            <a:spAutoFit/>
+          </a:bodyPr>
+          <a:lstStyle/>
+          <a:p>
+            <a:r>
+              <a:rPr lang="ko-KR" altLang="en-US" sz="2400" b="1" dirty="0">
+                <a:solidFill>
+                  <a:srgbClr val="FF0000"/>
+                </a:solidFill>
+              </a:rPr>
+              <a:t>수많은 공격 </a:t>
+            </a:r>
+            <a:r>
+              <a:rPr lang="en-US" altLang="ko-KR" sz="2400" b="1" dirty="0">
+                <a:solidFill>
+                  <a:srgbClr val="FF0000"/>
+                </a:solidFill>
+              </a:rPr>
+              <a:t>Payload Fuzzing </a:t>
+            </a:r>
+            <a:r>
+              <a:rPr lang="ko-KR" altLang="en-US" sz="2400" b="1" dirty="0">
+                <a:solidFill>
+                  <a:srgbClr val="FF0000"/>
+                </a:solidFill>
+              </a:rPr>
+              <a:t>및 시도 가능</a:t>
+            </a:r>
+          </a:p>
+        </p:txBody>
+      </p:sp>
+      <p:pic>
+        <p:nvPicPr>
+          <p:cNvPr id="17" name="그림 16">
+            <a:extLst>
+              <a:ext uri="{FF2B5EF4-FFF2-40B4-BE49-F238E27FC236}">
+                <a16:creationId xmlns:a16="http://schemas.microsoft.com/office/drawing/2014/main" id="{CDAC7E52-0DE6-AB8F-F42E-E8E07DD4FDC7}"/>
+              </a:ext>
+            </a:extLst>
+          </p:cNvPr>
+          <p:cNvPicPr>
+            <a:picLocks noChangeAspect="1"/>
+          </p:cNvPicPr>
+          <p:nvPr/>
+        </p:nvPicPr>
+        <p:blipFill>
+          <a:blip r:embed="rId3"/>
+          <a:stretch>
+            <a:fillRect/>
+          </a:stretch>
+        </p:blipFill>
+        <p:spPr>
+          <a:xfrm>
+            <a:off x="2320578" y="1608991"/>
+            <a:ext cx="7550844" cy="3979020"/>
+          </a:xfrm>
+          <a:prstGeom prst="rect">
+            <a:avLst/>
+          </a:prstGeom>
+        </p:spPr>
+      </p:pic>
+    </p:spTree>
+    <p:extLst>
+      <p:ext uri="{BB962C8B-B14F-4D97-AF65-F5344CB8AC3E}">
+        <p14:creationId xmlns:p14="http://schemas.microsoft.com/office/powerpoint/2010/main" val="3157961975"/>
+      </p:ext>
+    </p:extLst>
+  </p:cSld>
+  <p:clrMapOvr>
+    <a:masterClrMapping/>
+  </p:clrMapOvr>
+</p:sld>
+</file>
+
+<file path=ppt/slides/slide17.xml><?xml version="1.0" encoding="utf-8"?>
+<p:sld xmlns:a="http://schemas.openxmlformats.org/drawingml/2006/main" xmlns:r="http://schemas.openxmlformats.org/officeDocument/2006/relationships" xmlns:p="http://schemas.openxmlformats.org/presentationml/2006/main">
+  <p:cSld>
+    <p:spTree>
+      <p:nvGrpSpPr>
+        <p:cNvPr id="1" name=""/>
+        <p:cNvGrpSpPr/>
+        <p:nvPr/>
+      </p:nvGrpSpPr>
+      <p:grpSpPr>
+        <a:xfrm>
+          <a:off x="0" y="0"/>
+          <a:ext cx="0" cy="0"/>
+          <a:chOff x="0" y="0"/>
+          <a:chExt cx="0" cy="0"/>
+        </a:xfrm>
+      </p:grpSpPr>
+      <p:sp>
+        <p:nvSpPr>
+          <p:cNvPr id="2" name="제목 1">
+            <a:extLst>
+              <a:ext uri="{FF2B5EF4-FFF2-40B4-BE49-F238E27FC236}">
+                <a16:creationId xmlns:a16="http://schemas.microsoft.com/office/drawing/2014/main" id="{F3171F70-233A-7CFF-1E8A-C1B8715ABABA}"/>
+              </a:ext>
+            </a:extLst>
+          </p:cNvPr>
+          <p:cNvSpPr>
+            <a:spLocks noGrp="1"/>
+          </p:cNvSpPr>
+          <p:nvPr>
+            <p:ph type="title"/>
+          </p:nvPr>
+        </p:nvSpPr>
+        <p:spPr/>
+        <p:txBody>
+          <a:bodyPr/>
+          <a:lstStyle/>
+          <a:p>
+            <a:r>
+              <a:rPr lang="en-US" altLang="ko-KR" dirty="0"/>
+              <a:t>Bug</a:t>
+            </a:r>
+            <a:r>
+              <a:rPr lang="ko-KR" altLang="en-US" dirty="0"/>
+              <a:t> </a:t>
+            </a:r>
+            <a:r>
+              <a:rPr lang="en-US" altLang="ko-KR" dirty="0"/>
+              <a:t>Hunting – Web Content Crawling</a:t>
+            </a:r>
+            <a:endParaRPr lang="ko-KR" altLang="en-US" dirty="0"/>
+          </a:p>
+        </p:txBody>
+      </p:sp>
+      <p:pic>
+        <p:nvPicPr>
+          <p:cNvPr id="5" name="그림 4">
+            <a:extLst>
+              <a:ext uri="{FF2B5EF4-FFF2-40B4-BE49-F238E27FC236}">
+                <a16:creationId xmlns:a16="http://schemas.microsoft.com/office/drawing/2014/main" id="{FA0C7EFD-BF57-211B-3D7F-E9C844815ADE}"/>
+              </a:ext>
+            </a:extLst>
+          </p:cNvPr>
+          <p:cNvPicPr>
+            <a:picLocks noChangeAspect="1"/>
+          </p:cNvPicPr>
+          <p:nvPr/>
+        </p:nvPicPr>
+        <p:blipFill>
+          <a:blip r:embed="rId3"/>
+          <a:stretch>
+            <a:fillRect/>
+          </a:stretch>
+        </p:blipFill>
+        <p:spPr>
+          <a:xfrm>
+            <a:off x="7138978" y="1994719"/>
+            <a:ext cx="3623543" cy="3737770"/>
+          </a:xfrm>
+          <a:prstGeom prst="rect">
+            <a:avLst/>
+          </a:prstGeom>
+        </p:spPr>
+      </p:pic>
+      <p:pic>
+        <p:nvPicPr>
+          <p:cNvPr id="10" name="그림 9">
+            <a:extLst>
+              <a:ext uri="{FF2B5EF4-FFF2-40B4-BE49-F238E27FC236}">
+                <a16:creationId xmlns:a16="http://schemas.microsoft.com/office/drawing/2014/main" id="{E375A496-FCE9-1747-38D8-28AB97CC2EFF}"/>
+              </a:ext>
+            </a:extLst>
+          </p:cNvPr>
+          <p:cNvPicPr>
+            <a:picLocks noChangeAspect="1"/>
+          </p:cNvPicPr>
+          <p:nvPr/>
+        </p:nvPicPr>
+        <p:blipFill>
+          <a:blip r:embed="rId4"/>
+          <a:stretch>
+            <a:fillRect/>
+          </a:stretch>
+        </p:blipFill>
+        <p:spPr>
+          <a:xfrm>
+            <a:off x="1360714" y="1875104"/>
+            <a:ext cx="5395664" cy="3857385"/>
+          </a:xfrm>
+          <a:prstGeom prst="rect">
+            <a:avLst/>
+          </a:prstGeom>
+        </p:spPr>
+      </p:pic>
+    </p:spTree>
+    <p:extLst>
+      <p:ext uri="{BB962C8B-B14F-4D97-AF65-F5344CB8AC3E}">
+        <p14:creationId xmlns:p14="http://schemas.microsoft.com/office/powerpoint/2010/main" val="571366742"/>
+      </p:ext>
+    </p:extLst>
+  </p:cSld>
+  <p:clrMapOvr>
+    <a:masterClrMapping/>
+  </p:clrMapOvr>
+</p:sld>
+</file>
+
+<file path=ppt/slides/slide18.xml><?xml version="1.0" encoding="utf-8"?>
+<p:sld xmlns:a="http://schemas.openxmlformats.org/drawingml/2006/main" xmlns:r="http://schemas.openxmlformats.org/officeDocument/2006/relationships" xmlns:p="http://schemas.openxmlformats.org/presentationml/2006/main">
+  <p:cSld>
+    <p:spTree>
+      <p:nvGrpSpPr>
+        <p:cNvPr id="1" name=""/>
+        <p:cNvGrpSpPr/>
+        <p:nvPr/>
+      </p:nvGrpSpPr>
+      <p:grpSpPr>
+        <a:xfrm>
+          <a:off x="0" y="0"/>
+          <a:ext cx="0" cy="0"/>
+          <a:chOff x="0" y="0"/>
+          <a:chExt cx="0" cy="0"/>
+        </a:xfrm>
+      </p:grpSpPr>
+      <p:sp>
+        <p:nvSpPr>
+          <p:cNvPr id="2" name="제목 1">
+            <a:extLst>
+              <a:ext uri="{FF2B5EF4-FFF2-40B4-BE49-F238E27FC236}">
+                <a16:creationId xmlns:a16="http://schemas.microsoft.com/office/drawing/2014/main" id="{F3171F70-233A-7CFF-1E8A-C1B8715ABABA}"/>
+              </a:ext>
+            </a:extLst>
+          </p:cNvPr>
+          <p:cNvSpPr>
+            <a:spLocks noGrp="1"/>
+          </p:cNvSpPr>
+          <p:nvPr>
+            <p:ph type="title"/>
+          </p:nvPr>
+        </p:nvSpPr>
+        <p:spPr/>
+        <p:txBody>
+          <a:bodyPr/>
+          <a:lstStyle/>
+          <a:p>
+            <a:r>
+              <a:rPr lang="en-US" altLang="ko-KR" dirty="0"/>
+              <a:t>Bug</a:t>
+            </a:r>
+            <a:r>
+              <a:rPr lang="ko-KR" altLang="en-US" dirty="0"/>
+              <a:t> </a:t>
+            </a:r>
+            <a:r>
+              <a:rPr lang="en-US" altLang="ko-KR" dirty="0"/>
+              <a:t>Hunting – Web Content Crawling</a:t>
+            </a:r>
+            <a:endParaRPr lang="ko-KR" altLang="en-US" dirty="0"/>
+          </a:p>
+        </p:txBody>
+      </p:sp>
+      <p:pic>
+        <p:nvPicPr>
+          <p:cNvPr id="5" name="그림 4">
+            <a:extLst>
+              <a:ext uri="{FF2B5EF4-FFF2-40B4-BE49-F238E27FC236}">
+                <a16:creationId xmlns:a16="http://schemas.microsoft.com/office/drawing/2014/main" id="{FA0C7EFD-BF57-211B-3D7F-E9C844815ADE}"/>
+              </a:ext>
+            </a:extLst>
+          </p:cNvPr>
+          <p:cNvPicPr>
+            <a:picLocks noChangeAspect="1"/>
+          </p:cNvPicPr>
+          <p:nvPr/>
+        </p:nvPicPr>
+        <p:blipFill>
+          <a:blip r:embed="rId3"/>
+          <a:stretch>
+            <a:fillRect/>
+          </a:stretch>
+        </p:blipFill>
+        <p:spPr>
+          <a:xfrm>
+            <a:off x="1160800" y="1848723"/>
+            <a:ext cx="3623543" cy="3737770"/>
+          </a:xfrm>
+          <a:prstGeom prst="rect">
+            <a:avLst/>
+          </a:prstGeom>
+        </p:spPr>
+      </p:pic>
+      <p:sp>
+        <p:nvSpPr>
+          <p:cNvPr id="3" name="TextBox 2">
+            <a:extLst>
+              <a:ext uri="{FF2B5EF4-FFF2-40B4-BE49-F238E27FC236}">
+                <a16:creationId xmlns:a16="http://schemas.microsoft.com/office/drawing/2014/main" id="{D92185A5-FEC8-C77B-4443-2DDC2527B108}"/>
+              </a:ext>
+            </a:extLst>
+          </p:cNvPr>
+          <p:cNvSpPr txBox="1"/>
+          <p:nvPr/>
+        </p:nvSpPr>
+        <p:spPr>
+          <a:xfrm>
+            <a:off x="1613647" y="5893654"/>
+            <a:ext cx="2457724" cy="461665"/>
+          </a:xfrm>
+          <a:prstGeom prst="rect">
+            <a:avLst/>
+          </a:prstGeom>
+          <a:noFill/>
+        </p:spPr>
+        <p:txBody>
+          <a:bodyPr wrap="none" rtlCol="0">
+            <a:spAutoFit/>
+          </a:bodyPr>
+          <a:lstStyle/>
+          <a:p>
+            <a:r>
+              <a:rPr lang="en-US" altLang="ko-KR" sz="2400" dirty="0"/>
+              <a:t>attack </a:t>
+            </a:r>
+            <a:r>
+              <a:rPr lang="ko-KR" altLang="en-US" sz="2400" dirty="0"/>
+              <a:t>파일로 저장</a:t>
+            </a:r>
+          </a:p>
+        </p:txBody>
+      </p:sp>
+      <p:pic>
+        <p:nvPicPr>
+          <p:cNvPr id="6" name="그림 5">
+            <a:extLst>
+              <a:ext uri="{FF2B5EF4-FFF2-40B4-BE49-F238E27FC236}">
+                <a16:creationId xmlns:a16="http://schemas.microsoft.com/office/drawing/2014/main" id="{A5D097FE-6BB8-3259-B3BB-EEC4F7359677}"/>
+              </a:ext>
+            </a:extLst>
+          </p:cNvPr>
+          <p:cNvPicPr>
+            <a:picLocks noChangeAspect="1"/>
+          </p:cNvPicPr>
+          <p:nvPr/>
+        </p:nvPicPr>
+        <p:blipFill>
+          <a:blip r:embed="rId4"/>
+          <a:stretch>
+            <a:fillRect/>
+          </a:stretch>
+        </p:blipFill>
+        <p:spPr>
+          <a:xfrm>
+            <a:off x="5179039" y="1495458"/>
+            <a:ext cx="6174761" cy="3055258"/>
+          </a:xfrm>
+          <a:prstGeom prst="rect">
+            <a:avLst/>
+          </a:prstGeom>
+        </p:spPr>
+      </p:pic>
+      <p:pic>
+        <p:nvPicPr>
+          <p:cNvPr id="8" name="그림 7">
+            <a:extLst>
+              <a:ext uri="{FF2B5EF4-FFF2-40B4-BE49-F238E27FC236}">
+                <a16:creationId xmlns:a16="http://schemas.microsoft.com/office/drawing/2014/main" id="{17C8880B-516A-BBC9-FADA-5FCC4C6E63F0}"/>
+              </a:ext>
+            </a:extLst>
+          </p:cNvPr>
+          <p:cNvPicPr>
+            <a:picLocks noChangeAspect="1"/>
+          </p:cNvPicPr>
+          <p:nvPr/>
+        </p:nvPicPr>
+        <p:blipFill>
+          <a:blip r:embed="rId5"/>
+          <a:stretch>
+            <a:fillRect/>
+          </a:stretch>
+        </p:blipFill>
+        <p:spPr>
+          <a:xfrm>
+            <a:off x="5179039" y="3429000"/>
+            <a:ext cx="6174761" cy="3055258"/>
+          </a:xfrm>
+          <a:prstGeom prst="rect">
+            <a:avLst/>
+          </a:prstGeom>
+        </p:spPr>
+      </p:pic>
+    </p:spTree>
+    <p:extLst>
+      <p:ext uri="{BB962C8B-B14F-4D97-AF65-F5344CB8AC3E}">
+        <p14:creationId xmlns:p14="http://schemas.microsoft.com/office/powerpoint/2010/main" val="941796554"/>
+      </p:ext>
+    </p:extLst>
+  </p:cSld>
+  <p:clrMapOvr>
+    <a:masterClrMapping/>
+  </p:clrMapOvr>
+</p:sld>
+</file>
+
+<file path=ppt/slides/slide19.xml><?xml version="1.0" encoding="utf-8"?>
+<p:sld xmlns:a="http://schemas.openxmlformats.org/drawingml/2006/main" xmlns:r="http://schemas.openxmlformats.org/officeDocument/2006/relationships" xmlns:p="http://schemas.openxmlformats.org/presentationml/2006/main">
+  <p:cSld>
+    <p:spTree>
+      <p:nvGrpSpPr>
+        <p:cNvPr id="1" name=""/>
+        <p:cNvGrpSpPr/>
+        <p:nvPr/>
+      </p:nvGrpSpPr>
+      <p:grpSpPr>
+        <a:xfrm>
+          <a:off x="0" y="0"/>
+          <a:ext cx="0" cy="0"/>
+          <a:chOff x="0" y="0"/>
+          <a:chExt cx="0" cy="0"/>
+        </a:xfrm>
+      </p:grpSpPr>
+      <p:sp>
+        <p:nvSpPr>
+          <p:cNvPr id="2" name="제목 1">
+            <a:extLst>
+              <a:ext uri="{FF2B5EF4-FFF2-40B4-BE49-F238E27FC236}">
+                <a16:creationId xmlns:a16="http://schemas.microsoft.com/office/drawing/2014/main" id="{F3171F70-233A-7CFF-1E8A-C1B8715ABABA}"/>
+              </a:ext>
+            </a:extLst>
+          </p:cNvPr>
+          <p:cNvSpPr>
+            <a:spLocks noGrp="1"/>
+          </p:cNvSpPr>
+          <p:nvPr>
+            <p:ph type="title"/>
+          </p:nvPr>
+        </p:nvSpPr>
+        <p:spPr/>
+        <p:txBody>
+          <a:bodyPr/>
+          <a:lstStyle/>
+          <a:p>
+            <a:r>
+              <a:rPr lang="en-US" altLang="ko-KR" dirty="0"/>
+              <a:t>Bug</a:t>
+            </a:r>
+            <a:r>
+              <a:rPr lang="ko-KR" altLang="en-US" dirty="0"/>
+              <a:t> </a:t>
+            </a:r>
+            <a:r>
+              <a:rPr lang="en-US" altLang="ko-KR" dirty="0"/>
+              <a:t>Hunting – Web Content Crawling</a:t>
+            </a:r>
+            <a:endParaRPr lang="ko-KR" altLang="en-US" dirty="0"/>
+          </a:p>
+        </p:txBody>
+      </p:sp>
+      <p:pic>
+        <p:nvPicPr>
+          <p:cNvPr id="7" name="그림 6">
+            <a:extLst>
+              <a:ext uri="{FF2B5EF4-FFF2-40B4-BE49-F238E27FC236}">
+                <a16:creationId xmlns:a16="http://schemas.microsoft.com/office/drawing/2014/main" id="{A86B0547-C81F-FCEB-3E9B-20D7A94D1602}"/>
+              </a:ext>
+            </a:extLst>
+          </p:cNvPr>
+          <p:cNvPicPr>
+            <a:picLocks noChangeAspect="1"/>
+          </p:cNvPicPr>
+          <p:nvPr/>
+        </p:nvPicPr>
+        <p:blipFill>
+          <a:blip r:embed="rId3"/>
+          <a:stretch>
+            <a:fillRect/>
+          </a:stretch>
+        </p:blipFill>
+        <p:spPr>
+          <a:xfrm>
+            <a:off x="345781" y="3779866"/>
+            <a:ext cx="5617029" cy="1033716"/>
+          </a:xfrm>
+          <a:prstGeom prst="rect">
+            <a:avLst/>
+          </a:prstGeom>
+        </p:spPr>
+      </p:pic>
+      <p:pic>
+        <p:nvPicPr>
+          <p:cNvPr id="10" name="그림 9">
+            <a:extLst>
+              <a:ext uri="{FF2B5EF4-FFF2-40B4-BE49-F238E27FC236}">
+                <a16:creationId xmlns:a16="http://schemas.microsoft.com/office/drawing/2014/main" id="{4E431192-E274-02FE-1490-2C6EEC3F6656}"/>
+              </a:ext>
+            </a:extLst>
+          </p:cNvPr>
+          <p:cNvPicPr>
+            <a:picLocks noChangeAspect="1"/>
+          </p:cNvPicPr>
+          <p:nvPr/>
+        </p:nvPicPr>
+        <p:blipFill>
+          <a:blip r:embed="rId4"/>
+          <a:stretch>
+            <a:fillRect/>
+          </a:stretch>
+        </p:blipFill>
+        <p:spPr>
+          <a:xfrm>
+            <a:off x="345781" y="2616372"/>
+            <a:ext cx="5617029" cy="547791"/>
+          </a:xfrm>
+          <a:prstGeom prst="rect">
+            <a:avLst/>
+          </a:prstGeom>
+        </p:spPr>
+      </p:pic>
+      <p:sp>
+        <p:nvSpPr>
+          <p:cNvPr id="11" name="TextBox 10">
+            <a:extLst>
+              <a:ext uri="{FF2B5EF4-FFF2-40B4-BE49-F238E27FC236}">
+                <a16:creationId xmlns:a16="http://schemas.microsoft.com/office/drawing/2014/main" id="{407F110C-9B9D-E398-4EC3-C687A7E44444}"/>
+              </a:ext>
+            </a:extLst>
+          </p:cNvPr>
+          <p:cNvSpPr txBox="1"/>
+          <p:nvPr/>
+        </p:nvSpPr>
+        <p:spPr>
+          <a:xfrm>
+            <a:off x="1775012" y="5429285"/>
+            <a:ext cx="2291012" cy="461665"/>
+          </a:xfrm>
+          <a:prstGeom prst="rect">
+            <a:avLst/>
+          </a:prstGeom>
+          <a:noFill/>
+        </p:spPr>
+        <p:txBody>
+          <a:bodyPr wrap="none" rtlCol="0">
+            <a:spAutoFit/>
+          </a:bodyPr>
+          <a:lstStyle/>
+          <a:p>
+            <a:r>
+              <a:rPr lang="en-US" altLang="ko-KR" sz="2400" dirty="0"/>
+              <a:t>Database</a:t>
+            </a:r>
+            <a:r>
+              <a:rPr lang="ko-KR" altLang="en-US" sz="2400" dirty="0"/>
+              <a:t> </a:t>
+            </a:r>
+            <a:r>
+              <a:rPr lang="en-US" altLang="ko-KR" sz="2400" dirty="0"/>
+              <a:t>Listing</a:t>
+            </a:r>
+            <a:endParaRPr lang="ko-KR" altLang="en-US" sz="2400" dirty="0"/>
+          </a:p>
+        </p:txBody>
+      </p:sp>
+      <p:pic>
+        <p:nvPicPr>
+          <p:cNvPr id="13" name="그림 12">
+            <a:extLst>
+              <a:ext uri="{FF2B5EF4-FFF2-40B4-BE49-F238E27FC236}">
+                <a16:creationId xmlns:a16="http://schemas.microsoft.com/office/drawing/2014/main" id="{1CF872D8-1AC5-AC60-8F06-D0628A57DE00}"/>
+              </a:ext>
+            </a:extLst>
+          </p:cNvPr>
+          <p:cNvPicPr>
+            <a:picLocks noChangeAspect="1"/>
+          </p:cNvPicPr>
+          <p:nvPr/>
+        </p:nvPicPr>
+        <p:blipFill>
+          <a:blip r:embed="rId5"/>
+          <a:stretch>
+            <a:fillRect/>
+          </a:stretch>
+        </p:blipFill>
+        <p:spPr>
+          <a:xfrm>
+            <a:off x="6500012" y="3633942"/>
+            <a:ext cx="5433666" cy="1325563"/>
+          </a:xfrm>
+          <a:prstGeom prst="rect">
+            <a:avLst/>
+          </a:prstGeom>
+        </p:spPr>
+      </p:pic>
+      <p:pic>
+        <p:nvPicPr>
+          <p:cNvPr id="15" name="그림 14">
+            <a:extLst>
+              <a:ext uri="{FF2B5EF4-FFF2-40B4-BE49-F238E27FC236}">
+                <a16:creationId xmlns:a16="http://schemas.microsoft.com/office/drawing/2014/main" id="{F833EE22-7A8B-83D6-013B-581EF1904ACB}"/>
+              </a:ext>
+            </a:extLst>
+          </p:cNvPr>
+          <p:cNvPicPr>
+            <a:picLocks noChangeAspect="1"/>
+          </p:cNvPicPr>
+          <p:nvPr/>
+        </p:nvPicPr>
+        <p:blipFill>
+          <a:blip r:embed="rId6"/>
+          <a:stretch>
+            <a:fillRect/>
+          </a:stretch>
+        </p:blipFill>
+        <p:spPr>
+          <a:xfrm>
+            <a:off x="6594355" y="2782065"/>
+            <a:ext cx="5271047" cy="284921"/>
+          </a:xfrm>
+          <a:prstGeom prst="rect">
+            <a:avLst/>
+          </a:prstGeom>
+        </p:spPr>
+      </p:pic>
+      <p:sp>
+        <p:nvSpPr>
+          <p:cNvPr id="18" name="TextBox 17">
+            <a:extLst>
+              <a:ext uri="{FF2B5EF4-FFF2-40B4-BE49-F238E27FC236}">
+                <a16:creationId xmlns:a16="http://schemas.microsoft.com/office/drawing/2014/main" id="{A339FE80-92D9-4BED-B1D9-528ADC7B58CB}"/>
+              </a:ext>
+            </a:extLst>
+          </p:cNvPr>
+          <p:cNvSpPr txBox="1"/>
+          <p:nvPr/>
+        </p:nvSpPr>
+        <p:spPr>
+          <a:xfrm>
+            <a:off x="8084372" y="5429285"/>
+            <a:ext cx="1931939" cy="461665"/>
+          </a:xfrm>
+          <a:prstGeom prst="rect">
+            <a:avLst/>
+          </a:prstGeom>
+          <a:noFill/>
+        </p:spPr>
+        <p:txBody>
+          <a:bodyPr wrap="none" rtlCol="0">
+            <a:spAutoFit/>
+          </a:bodyPr>
+          <a:lstStyle/>
+          <a:p>
+            <a:r>
+              <a:rPr lang="en-US" altLang="ko-KR" sz="2400" dirty="0"/>
+              <a:t>Tables Listing</a:t>
+            </a:r>
+            <a:endParaRPr lang="ko-KR" altLang="en-US" sz="2400" dirty="0"/>
+          </a:p>
+        </p:txBody>
+      </p:sp>
+    </p:spTree>
+    <p:extLst>
+      <p:ext uri="{BB962C8B-B14F-4D97-AF65-F5344CB8AC3E}">
+        <p14:creationId xmlns:p14="http://schemas.microsoft.com/office/powerpoint/2010/main" val="176329203"/>
       </p:ext>
     </p:extLst>
   </p:cSld>
@@ -5003,10 +7045,9 @@
               <a:buAutoNum type="arabicPeriod"/>
             </a:pPr>
             <a:r>
-              <a:rPr lang="ko-KR" altLang="en-US" dirty="0"/>
-              <a:t>개념 소개</a:t>
-            </a:r>
-            <a:endParaRPr lang="en-US" altLang="ko-KR" dirty="0"/>
+              <a:rPr lang="en-US" altLang="ko-KR" dirty="0"/>
+              <a:t>Fuzzing?</a:t>
+            </a:r>
           </a:p>
           <a:p>
             <a:pPr marL="514350" indent="-514350">
@@ -5022,7 +7063,7 @@
             </a:pPr>
             <a:r>
               <a:rPr lang="en-US" altLang="ko-KR" dirty="0"/>
-              <a:t>Case Study</a:t>
+              <a:t>Black box Challenge – Web Hacking</a:t>
             </a:r>
           </a:p>
           <a:p>
@@ -5039,7 +7080,7 @@
             </a:pPr>
             <a:r>
               <a:rPr lang="en-US" altLang="ko-KR" dirty="0"/>
-              <a:t>Application - SSTI</a:t>
+              <a:t>Case Study</a:t>
             </a:r>
           </a:p>
           <a:p>
@@ -5062,6 +7103,477 @@
     <p:extLst>
       <p:ext uri="{BB962C8B-B14F-4D97-AF65-F5344CB8AC3E}">
         <p14:creationId xmlns:p14="http://schemas.microsoft.com/office/powerpoint/2010/main" val="2195969861"/>
+      </p:ext>
+    </p:extLst>
+  </p:cSld>
+  <p:clrMapOvr>
+    <a:masterClrMapping/>
+  </p:clrMapOvr>
+</p:sld>
+</file>
+
+<file path=ppt/slides/slide20.xml><?xml version="1.0" encoding="utf-8"?>
+<p:sld xmlns:a="http://schemas.openxmlformats.org/drawingml/2006/main" xmlns:r="http://schemas.openxmlformats.org/officeDocument/2006/relationships" xmlns:p="http://schemas.openxmlformats.org/presentationml/2006/main">
+  <p:cSld>
+    <p:spTree>
+      <p:nvGrpSpPr>
+        <p:cNvPr id="1" name=""/>
+        <p:cNvGrpSpPr/>
+        <p:nvPr/>
+      </p:nvGrpSpPr>
+      <p:grpSpPr>
+        <a:xfrm>
+          <a:off x="0" y="0"/>
+          <a:ext cx="0" cy="0"/>
+          <a:chOff x="0" y="0"/>
+          <a:chExt cx="0" cy="0"/>
+        </a:xfrm>
+      </p:grpSpPr>
+      <p:sp>
+        <p:nvSpPr>
+          <p:cNvPr id="2" name="제목 1">
+            <a:extLst>
+              <a:ext uri="{FF2B5EF4-FFF2-40B4-BE49-F238E27FC236}">
+                <a16:creationId xmlns:a16="http://schemas.microsoft.com/office/drawing/2014/main" id="{F3171F70-233A-7CFF-1E8A-C1B8715ABABA}"/>
+              </a:ext>
+            </a:extLst>
+          </p:cNvPr>
+          <p:cNvSpPr>
+            <a:spLocks noGrp="1"/>
+          </p:cNvSpPr>
+          <p:nvPr>
+            <p:ph type="title"/>
+          </p:nvPr>
+        </p:nvSpPr>
+        <p:spPr/>
+        <p:txBody>
+          <a:bodyPr/>
+          <a:lstStyle/>
+          <a:p>
+            <a:r>
+              <a:rPr lang="en-US" altLang="ko-KR" dirty="0"/>
+              <a:t>Bug</a:t>
+            </a:r>
+            <a:r>
+              <a:rPr lang="ko-KR" altLang="en-US" dirty="0"/>
+              <a:t> </a:t>
+            </a:r>
+            <a:r>
+              <a:rPr lang="en-US" altLang="ko-KR" dirty="0"/>
+              <a:t>Hunting – Web Content Crawling</a:t>
+            </a:r>
+            <a:endParaRPr lang="ko-KR" altLang="en-US" dirty="0"/>
+          </a:p>
+        </p:txBody>
+      </p:sp>
+      <p:sp>
+        <p:nvSpPr>
+          <p:cNvPr id="11" name="TextBox 10">
+            <a:extLst>
+              <a:ext uri="{FF2B5EF4-FFF2-40B4-BE49-F238E27FC236}">
+                <a16:creationId xmlns:a16="http://schemas.microsoft.com/office/drawing/2014/main" id="{407F110C-9B9D-E398-4EC3-C687A7E44444}"/>
+              </a:ext>
+            </a:extLst>
+          </p:cNvPr>
+          <p:cNvSpPr txBox="1"/>
+          <p:nvPr/>
+        </p:nvSpPr>
+        <p:spPr>
+          <a:xfrm>
+            <a:off x="4810206" y="5974851"/>
+            <a:ext cx="2640466" cy="461665"/>
+          </a:xfrm>
+          <a:prstGeom prst="rect">
+            <a:avLst/>
+          </a:prstGeom>
+          <a:noFill/>
+        </p:spPr>
+        <p:txBody>
+          <a:bodyPr wrap="none" rtlCol="0">
+            <a:spAutoFit/>
+          </a:bodyPr>
+          <a:lstStyle/>
+          <a:p>
+            <a:r>
+              <a:rPr lang="ko-KR" altLang="en-US" sz="2400" dirty="0"/>
+              <a:t>데이터베이스 유출 </a:t>
+            </a:r>
+            <a:r>
+              <a:rPr lang="en-US" altLang="ko-KR" sz="2400" dirty="0"/>
+              <a:t>!!</a:t>
+            </a:r>
+            <a:endParaRPr lang="ko-KR" altLang="en-US" sz="2400" dirty="0"/>
+          </a:p>
+        </p:txBody>
+      </p:sp>
+      <p:pic>
+        <p:nvPicPr>
+          <p:cNvPr id="4" name="그림 3">
+            <a:extLst>
+              <a:ext uri="{FF2B5EF4-FFF2-40B4-BE49-F238E27FC236}">
+                <a16:creationId xmlns:a16="http://schemas.microsoft.com/office/drawing/2014/main" id="{744789C9-AD58-FB32-D88E-8C255D95FD7D}"/>
+              </a:ext>
+            </a:extLst>
+          </p:cNvPr>
+          <p:cNvPicPr>
+            <a:picLocks noChangeAspect="1"/>
+          </p:cNvPicPr>
+          <p:nvPr/>
+        </p:nvPicPr>
+        <p:blipFill>
+          <a:blip r:embed="rId3"/>
+          <a:stretch>
+            <a:fillRect/>
+          </a:stretch>
+        </p:blipFill>
+        <p:spPr>
+          <a:xfrm>
+            <a:off x="966067" y="1690688"/>
+            <a:ext cx="9629775" cy="552450"/>
+          </a:xfrm>
+          <a:prstGeom prst="rect">
+            <a:avLst/>
+          </a:prstGeom>
+        </p:spPr>
+      </p:pic>
+      <p:pic>
+        <p:nvPicPr>
+          <p:cNvPr id="6" name="그림 5">
+            <a:extLst>
+              <a:ext uri="{FF2B5EF4-FFF2-40B4-BE49-F238E27FC236}">
+                <a16:creationId xmlns:a16="http://schemas.microsoft.com/office/drawing/2014/main" id="{49A075B9-D9D3-D692-BDD6-62C7D7777704}"/>
+              </a:ext>
+            </a:extLst>
+          </p:cNvPr>
+          <p:cNvPicPr>
+            <a:picLocks noChangeAspect="1"/>
+          </p:cNvPicPr>
+          <p:nvPr/>
+        </p:nvPicPr>
+        <p:blipFill>
+          <a:blip r:embed="rId4"/>
+          <a:stretch>
+            <a:fillRect/>
+          </a:stretch>
+        </p:blipFill>
+        <p:spPr>
+          <a:xfrm>
+            <a:off x="1614968" y="2656274"/>
+            <a:ext cx="8646704" cy="2591921"/>
+          </a:xfrm>
+          <a:prstGeom prst="rect">
+            <a:avLst/>
+          </a:prstGeom>
+        </p:spPr>
+      </p:pic>
+    </p:spTree>
+    <p:extLst>
+      <p:ext uri="{BB962C8B-B14F-4D97-AF65-F5344CB8AC3E}">
+        <p14:creationId xmlns:p14="http://schemas.microsoft.com/office/powerpoint/2010/main" val="3757540211"/>
+      </p:ext>
+    </p:extLst>
+  </p:cSld>
+  <p:clrMapOvr>
+    <a:masterClrMapping/>
+  </p:clrMapOvr>
+</p:sld>
+</file>
+
+<file path=ppt/slides/slide21.xml><?xml version="1.0" encoding="utf-8"?>
+<p:sld xmlns:a="http://schemas.openxmlformats.org/drawingml/2006/main" xmlns:r="http://schemas.openxmlformats.org/officeDocument/2006/relationships" xmlns:p="http://schemas.openxmlformats.org/presentationml/2006/main">
+  <p:cSld>
+    <p:spTree>
+      <p:nvGrpSpPr>
+        <p:cNvPr id="1" name=""/>
+        <p:cNvGrpSpPr/>
+        <p:nvPr/>
+      </p:nvGrpSpPr>
+      <p:grpSpPr>
+        <a:xfrm>
+          <a:off x="0" y="0"/>
+          <a:ext cx="0" cy="0"/>
+          <a:chOff x="0" y="0"/>
+          <a:chExt cx="0" cy="0"/>
+        </a:xfrm>
+      </p:grpSpPr>
+      <p:sp>
+        <p:nvSpPr>
+          <p:cNvPr id="2" name="제목 1">
+            <a:extLst>
+              <a:ext uri="{FF2B5EF4-FFF2-40B4-BE49-F238E27FC236}">
+                <a16:creationId xmlns:a16="http://schemas.microsoft.com/office/drawing/2014/main" id="{F3171F70-233A-7CFF-1E8A-C1B8715ABABA}"/>
+              </a:ext>
+            </a:extLst>
+          </p:cNvPr>
+          <p:cNvSpPr>
+            <a:spLocks noGrp="1"/>
+          </p:cNvSpPr>
+          <p:nvPr>
+            <p:ph type="title"/>
+          </p:nvPr>
+        </p:nvSpPr>
+        <p:spPr/>
+        <p:txBody>
+          <a:bodyPr/>
+          <a:lstStyle/>
+          <a:p>
+            <a:r>
+              <a:rPr lang="en-US" altLang="ko-KR" dirty="0"/>
+              <a:t>Web fuzzing - </a:t>
+            </a:r>
+            <a:r>
+              <a:rPr lang="ko-KR" altLang="en-US" dirty="0"/>
+              <a:t>한계</a:t>
+            </a:r>
+          </a:p>
+        </p:txBody>
+      </p:sp>
+      <p:sp>
+        <p:nvSpPr>
+          <p:cNvPr id="3" name="내용 개체 틀 2">
+            <a:extLst>
+              <a:ext uri="{FF2B5EF4-FFF2-40B4-BE49-F238E27FC236}">
+                <a16:creationId xmlns:a16="http://schemas.microsoft.com/office/drawing/2014/main" id="{AD5BF179-25E0-3387-492B-D16B06D9916C}"/>
+              </a:ext>
+            </a:extLst>
+          </p:cNvPr>
+          <p:cNvSpPr>
+            <a:spLocks noGrp="1"/>
+          </p:cNvSpPr>
+          <p:nvPr>
+            <p:ph idx="1"/>
+          </p:nvPr>
+        </p:nvSpPr>
+        <p:spPr/>
+        <p:txBody>
+          <a:bodyPr>
+            <a:normAutofit/>
+          </a:bodyPr>
+          <a:lstStyle/>
+          <a:p>
+            <a:r>
+              <a:rPr lang="ko-KR" altLang="en-US" dirty="0">
+                <a:latin typeface="AppleSDGothicNeoR00" panose="02000503000000000000" pitchFamily="2" charset="-128"/>
+                <a:ea typeface="AppleSDGothicNeoR00" panose="02000503000000000000" pitchFamily="2" charset="-128"/>
+                <a:cs typeface="Apple Symbols" panose="02000000000000000000" pitchFamily="2" charset="-79"/>
+              </a:rPr>
+              <a:t>입력이 무한히 가능한 환경에서만 가능</a:t>
+            </a:r>
+            <a:endParaRPr lang="en-US" altLang="ko-KR" dirty="0">
+              <a:latin typeface="AppleSDGothicNeoR00" panose="02000503000000000000" pitchFamily="2" charset="-128"/>
+              <a:ea typeface="AppleSDGothicNeoR00" panose="02000503000000000000" pitchFamily="2" charset="-128"/>
+              <a:cs typeface="Apple Symbols" panose="02000000000000000000" pitchFamily="2" charset="-79"/>
+            </a:endParaRPr>
+          </a:p>
+          <a:p>
+            <a:pPr lvl="1"/>
+            <a:r>
+              <a:rPr lang="en-US" altLang="ko-KR" dirty="0">
+                <a:latin typeface="AppleSDGothicNeoR00" panose="02000503000000000000" pitchFamily="2" charset="-128"/>
+                <a:ea typeface="AppleSDGothicNeoR00" panose="02000503000000000000" pitchFamily="2" charset="-128"/>
+                <a:cs typeface="Apple Symbols" panose="02000000000000000000" pitchFamily="2" charset="-79"/>
+              </a:rPr>
+              <a:t>ex. </a:t>
+            </a:r>
+            <a:r>
+              <a:rPr lang="ko-KR" altLang="en-US" dirty="0">
+                <a:latin typeface="AppleSDGothicNeoR00" panose="02000503000000000000" pitchFamily="2" charset="-128"/>
+                <a:ea typeface="AppleSDGothicNeoR00" panose="02000503000000000000" pitchFamily="2" charset="-128"/>
+                <a:cs typeface="Apple Symbols" panose="02000000000000000000" pitchFamily="2" charset="-79"/>
+              </a:rPr>
+              <a:t>로그인 폼 </a:t>
+            </a:r>
+            <a:r>
+              <a:rPr lang="en-US" altLang="ko-KR" dirty="0">
+                <a:latin typeface="AppleSDGothicNeoR00" panose="02000503000000000000" pitchFamily="2" charset="-128"/>
+                <a:ea typeface="AppleSDGothicNeoR00" panose="02000503000000000000" pitchFamily="2" charset="-128"/>
+                <a:cs typeface="Apple Symbols" panose="02000000000000000000" pitchFamily="2" charset="-79"/>
+              </a:rPr>
+              <a:t>– </a:t>
+            </a:r>
+            <a:r>
+              <a:rPr lang="en-US" altLang="ko-KR" dirty="0" err="1">
+                <a:latin typeface="AppleSDGothicNeoR00" panose="02000503000000000000" pitchFamily="2" charset="-128"/>
+                <a:ea typeface="AppleSDGothicNeoR00" panose="02000503000000000000" pitchFamily="2" charset="-128"/>
+                <a:cs typeface="Apple Symbols" panose="02000000000000000000" pitchFamily="2" charset="-79"/>
+              </a:rPr>
+              <a:t>Recaptcha</a:t>
+            </a:r>
+            <a:r>
+              <a:rPr lang="en-US" altLang="ko-KR" dirty="0">
+                <a:latin typeface="AppleSDGothicNeoR00" panose="02000503000000000000" pitchFamily="2" charset="-128"/>
+                <a:ea typeface="AppleSDGothicNeoR00" panose="02000503000000000000" pitchFamily="2" charset="-128"/>
+                <a:cs typeface="Apple Symbols" panose="02000000000000000000" pitchFamily="2" charset="-79"/>
+              </a:rPr>
+              <a:t>?</a:t>
+            </a:r>
+          </a:p>
+          <a:p>
+            <a:pPr marL="457200" lvl="1" indent="0">
+              <a:buNone/>
+            </a:pPr>
+            <a:endParaRPr lang="en-US" altLang="ko-KR" dirty="0">
+              <a:latin typeface="AppleSDGothicNeoR00" panose="02000503000000000000" pitchFamily="2" charset="-128"/>
+              <a:ea typeface="AppleSDGothicNeoR00" panose="02000503000000000000" pitchFamily="2" charset="-128"/>
+              <a:cs typeface="Apple Symbols" panose="02000000000000000000" pitchFamily="2" charset="-79"/>
+            </a:endParaRPr>
+          </a:p>
+          <a:p>
+            <a:r>
+              <a:rPr lang="ko-KR" altLang="en-US" sz="3200" dirty="0">
+                <a:latin typeface="AppleSDGothicNeoR00" panose="02000503000000000000" pitchFamily="2" charset="-128"/>
+                <a:ea typeface="AppleSDGothicNeoR00" panose="02000503000000000000" pitchFamily="2" charset="-128"/>
+                <a:cs typeface="Apple Symbols" panose="02000000000000000000" pitchFamily="2" charset="-79"/>
+              </a:rPr>
+              <a:t>취약점 스캐닝 </a:t>
+            </a:r>
+            <a:r>
+              <a:rPr lang="en-US" altLang="ko-KR" sz="3200" dirty="0">
+                <a:latin typeface="AppleSDGothicNeoR00" panose="02000503000000000000" pitchFamily="2" charset="-128"/>
+                <a:ea typeface="AppleSDGothicNeoR00" panose="02000503000000000000" pitchFamily="2" charset="-128"/>
+                <a:cs typeface="Apple Symbols" panose="02000000000000000000" pitchFamily="2" charset="-79"/>
+              </a:rPr>
+              <a:t>/ Fuzzing</a:t>
+            </a:r>
+          </a:p>
+          <a:p>
+            <a:pPr lvl="1"/>
+            <a:r>
+              <a:rPr lang="en-US" altLang="ko-KR" dirty="0">
+                <a:latin typeface="AppleSDGothicNeoR00" panose="02000503000000000000" pitchFamily="2" charset="-128"/>
+                <a:ea typeface="AppleSDGothicNeoR00" panose="02000503000000000000" pitchFamily="2" charset="-128"/>
+                <a:cs typeface="Apple Symbols" panose="02000000000000000000" pitchFamily="2" charset="-79"/>
+              </a:rPr>
+              <a:t>SQL Injection : </a:t>
+            </a:r>
+            <a:r>
+              <a:rPr lang="en-US" altLang="ko-KR" dirty="0" err="1">
+                <a:latin typeface="AppleSDGothicNeoR00" panose="02000503000000000000" pitchFamily="2" charset="-128"/>
+                <a:ea typeface="AppleSDGothicNeoR00" panose="02000503000000000000" pitchFamily="2" charset="-128"/>
+                <a:cs typeface="Apple Symbols" panose="02000000000000000000" pitchFamily="2" charset="-79"/>
+              </a:rPr>
+              <a:t>SQLMap</a:t>
+            </a:r>
+            <a:endParaRPr lang="en-US" altLang="ko-KR" dirty="0">
+              <a:latin typeface="AppleSDGothicNeoR00" panose="02000503000000000000" pitchFamily="2" charset="-128"/>
+              <a:ea typeface="AppleSDGothicNeoR00" panose="02000503000000000000" pitchFamily="2" charset="-128"/>
+              <a:cs typeface="Apple Symbols" panose="02000000000000000000" pitchFamily="2" charset="-79"/>
+            </a:endParaRPr>
+          </a:p>
+          <a:p>
+            <a:pPr lvl="1"/>
+            <a:r>
+              <a:rPr lang="en-US" altLang="ko-KR" dirty="0" err="1">
+                <a:latin typeface="AppleSDGothicNeoR00" panose="02000503000000000000" pitchFamily="2" charset="-128"/>
+                <a:ea typeface="AppleSDGothicNeoR00" panose="02000503000000000000" pitchFamily="2" charset="-128"/>
+                <a:cs typeface="Apple Symbols" panose="02000000000000000000" pitchFamily="2" charset="-79"/>
+              </a:rPr>
+              <a:t>XSS</a:t>
+            </a:r>
+            <a:r>
+              <a:rPr lang="en-US" altLang="ko-KR" dirty="0">
+                <a:latin typeface="AppleSDGothicNeoR00" panose="02000503000000000000" pitchFamily="2" charset="-128"/>
+                <a:ea typeface="AppleSDGothicNeoR00" panose="02000503000000000000" pitchFamily="2" charset="-128"/>
+                <a:cs typeface="Apple Symbols" panose="02000000000000000000" pitchFamily="2" charset="-79"/>
+              </a:rPr>
+              <a:t> : </a:t>
+            </a:r>
+            <a:r>
+              <a:rPr lang="en-US" altLang="ko-KR" dirty="0" err="1">
+                <a:latin typeface="AppleSDGothicNeoR00" panose="02000503000000000000" pitchFamily="2" charset="-128"/>
+                <a:ea typeface="AppleSDGothicNeoR00" panose="02000503000000000000" pitchFamily="2" charset="-128"/>
+                <a:cs typeface="Apple Symbols" panose="02000000000000000000" pitchFamily="2" charset="-79"/>
+              </a:rPr>
+              <a:t>XSStrike</a:t>
+            </a:r>
+            <a:endParaRPr lang="en-US" altLang="ko-KR" dirty="0">
+              <a:latin typeface="AppleSDGothicNeoR00" panose="02000503000000000000" pitchFamily="2" charset="-128"/>
+              <a:ea typeface="AppleSDGothicNeoR00" panose="02000503000000000000" pitchFamily="2" charset="-128"/>
+              <a:cs typeface="Apple Symbols" panose="02000000000000000000" pitchFamily="2" charset="-79"/>
+            </a:endParaRPr>
+          </a:p>
+          <a:p>
+            <a:pPr lvl="1"/>
+            <a:r>
+              <a:rPr lang="en-US" altLang="ko-KR" dirty="0">
+                <a:latin typeface="AppleSDGothicNeoR00" panose="02000503000000000000" pitchFamily="2" charset="-128"/>
+                <a:ea typeface="AppleSDGothicNeoR00" panose="02000503000000000000" pitchFamily="2" charset="-128"/>
+                <a:cs typeface="Apple Symbols" panose="02000000000000000000" pitchFamily="2" charset="-79"/>
+              </a:rPr>
+              <a:t>Burp Suite</a:t>
+            </a:r>
+          </a:p>
+        </p:txBody>
+      </p:sp>
+    </p:spTree>
+    <p:extLst>
+      <p:ext uri="{BB962C8B-B14F-4D97-AF65-F5344CB8AC3E}">
+        <p14:creationId xmlns:p14="http://schemas.microsoft.com/office/powerpoint/2010/main" val="1329697639"/>
+      </p:ext>
+    </p:extLst>
+  </p:cSld>
+  <p:clrMapOvr>
+    <a:masterClrMapping/>
+  </p:clrMapOvr>
+</p:sld>
+</file>
+
+<file path=ppt/slides/slide22.xml><?xml version="1.0" encoding="utf-8"?>
+<p:sld xmlns:a="http://schemas.openxmlformats.org/drawingml/2006/main" xmlns:r="http://schemas.openxmlformats.org/officeDocument/2006/relationships" xmlns:p="http://schemas.openxmlformats.org/presentationml/2006/main">
+  <p:cSld>
+    <p:spTree>
+      <p:nvGrpSpPr>
+        <p:cNvPr id="1" name=""/>
+        <p:cNvGrpSpPr/>
+        <p:nvPr/>
+      </p:nvGrpSpPr>
+      <p:grpSpPr>
+        <a:xfrm>
+          <a:off x="0" y="0"/>
+          <a:ext cx="0" cy="0"/>
+          <a:chOff x="0" y="0"/>
+          <a:chExt cx="0" cy="0"/>
+        </a:xfrm>
+      </p:grpSpPr>
+      <p:sp>
+        <p:nvSpPr>
+          <p:cNvPr id="2" name="제목 1">
+            <a:extLst>
+              <a:ext uri="{FF2B5EF4-FFF2-40B4-BE49-F238E27FC236}">
+                <a16:creationId xmlns:a16="http://schemas.microsoft.com/office/drawing/2014/main" id="{FAD0392E-3E08-0310-A47A-B7BAD1783490}"/>
+              </a:ext>
+            </a:extLst>
+          </p:cNvPr>
+          <p:cNvSpPr>
+            <a:spLocks noGrp="1"/>
+          </p:cNvSpPr>
+          <p:nvPr>
+            <p:ph type="title"/>
+          </p:nvPr>
+        </p:nvSpPr>
+        <p:spPr>
+          <a:xfrm>
+            <a:off x="3661063" y="2766218"/>
+            <a:ext cx="4869873" cy="1325563"/>
+          </a:xfrm>
+        </p:spPr>
+        <p:txBody>
+          <a:bodyPr/>
+          <a:lstStyle/>
+          <a:p>
+            <a:pPr algn="ctr"/>
+            <a:r>
+              <a:rPr lang="en-US" altLang="ko-KR" dirty="0"/>
+              <a:t>Question?</a:t>
+            </a:r>
+            <a:endParaRPr lang="ko-KR" altLang="en-US" dirty="0"/>
+          </a:p>
+        </p:txBody>
+      </p:sp>
+    </p:spTree>
+    <p:extLst>
+      <p:ext uri="{BB962C8B-B14F-4D97-AF65-F5344CB8AC3E}">
+        <p14:creationId xmlns:p14="http://schemas.microsoft.com/office/powerpoint/2010/main" val="48580749"/>
       </p:ext>
     </p:extLst>
   </p:cSld>
@@ -6720,13 +9232,16 @@
             </a:endParaRPr>
           </a:p>
           <a:p>
+            <a:pPr marL="0" indent="0">
+              <a:buNone/>
+            </a:pPr>
             <a:r>
               <a:rPr lang="en-US" altLang="ko-KR" sz="2000" dirty="0">
                 <a:latin typeface="AppleSDGothicNeoR00" panose="02000503000000000000" pitchFamily="2" charset="-128"/>
                 <a:ea typeface="AppleSDGothicNeoR00" panose="02000503000000000000" pitchFamily="2" charset="-128"/>
                 <a:cs typeface="Apple Symbols" panose="02000000000000000000" pitchFamily="2" charset="-79"/>
               </a:rPr>
-              <a:t>=&gt; </a:t>
+              <a:t>Ex. </a:t>
             </a:r>
             <a:r>
               <a:rPr lang="ko-KR" altLang="en-US" sz="2000" dirty="0">
@@ -7078,13 +9593,16 @@
             </a:endParaRPr>
           </a:p>
           <a:p>
+            <a:pPr marL="0" indent="0">
+              <a:buNone/>
+            </a:pPr>
             <a:r>
               <a:rPr lang="en-US" altLang="ko-KR" sz="2000" dirty="0">
                 <a:latin typeface="AppleSDGothicNeoR00" panose="02000503000000000000" pitchFamily="2" charset="-128"/>
                 <a:ea typeface="AppleSDGothicNeoR00" panose="02000503000000000000" pitchFamily="2" charset="-128"/>
                 <a:cs typeface="Apple Symbols" panose="02000000000000000000" pitchFamily="2" charset="-79"/>
               </a:rPr>
-              <a:t>=&gt; </a:t>
+              <a:t>Ex. </a:t>
             </a:r>
             <a:r>
               <a:rPr lang="ko-KR" altLang="en-US" sz="2000" dirty="0">
@@ -7257,7 +9775,7 @@
           <a:lstStyle/>
           <a:p>
             <a:r>
-              <a:rPr lang="ko-KR" altLang="en-US" sz="2000" dirty="0">
+              <a:rPr lang="ko-KR" altLang="en-US" dirty="0">
                 <a:latin typeface="AppleSDGothicNeoR00" panose="02000503000000000000" pitchFamily="2" charset="-128"/>
                 <a:ea typeface="AppleSDGothicNeoR00" panose="02000503000000000000" pitchFamily="2" charset="-128"/>
                 <a:cs typeface="Apple Symbols" panose="02000000000000000000" pitchFamily="2" charset="-79"/>
@@ -7265,7 +9783,7 @@
               <a:t>완벽하게 </a:t>
             </a:r>
             <a:r>
-              <a:rPr lang="en-US" altLang="ko-KR" sz="2000" dirty="0">
+              <a:rPr lang="en-US" altLang="ko-KR" dirty="0">
                 <a:latin typeface="AppleSDGothicNeoR00" panose="02000503000000000000" pitchFamily="2" charset="-128"/>
                 <a:ea typeface="AppleSDGothicNeoR00" panose="02000503000000000000" pitchFamily="2" charset="-128"/>
                 <a:cs typeface="Apple Symbols" panose="02000000000000000000" pitchFamily="2" charset="-79"/>
@@ -7274,7 +9792,7 @@
             </a:r>
           </a:p>
           <a:p>
-            <a:endParaRPr lang="en-US" altLang="ko-KR" sz="2000" dirty="0">
+            <a:endParaRPr lang="en-US" altLang="ko-KR" dirty="0">
               <a:latin typeface="AppleSDGothicNeoR00" panose="02000503000000000000" pitchFamily="2" charset="-128"/>
               <a:ea typeface="AppleSDGothicNeoR00" panose="02000503000000000000" pitchFamily="2" charset="-128"/>
               <a:cs typeface="Apple Symbols" panose="02000000000000000000" pitchFamily="2" charset="-79"/>
@@ -7282,7 +9800,7 @@
           </a:p>
           <a:p>
             <a:r>
-              <a:rPr lang="ko-KR" altLang="en-US" sz="2000" dirty="0">
+              <a:rPr lang="ko-KR" altLang="en-US" dirty="0">
                 <a:latin typeface="AppleSDGothicNeoR00" panose="02000503000000000000" pitchFamily="2" charset="-128"/>
                 <a:ea typeface="AppleSDGothicNeoR00" panose="02000503000000000000" pitchFamily="2" charset="-128"/>
                 <a:cs typeface="Apple Symbols" panose="02000000000000000000" pitchFamily="2" charset="-79"/>
@@ -7290,7 +9808,7 @@
               <a:t>어떤 언어를 쓰는지</a:t>
             </a:r>
             <a:r>
-              <a:rPr lang="en-US" altLang="ko-KR" sz="2000" dirty="0">
+              <a:rPr lang="en-US" altLang="ko-KR" dirty="0">
                 <a:latin typeface="AppleSDGothicNeoR00" panose="02000503000000000000" pitchFamily="2" charset="-128"/>
                 <a:ea typeface="AppleSDGothicNeoR00" panose="02000503000000000000" pitchFamily="2" charset="-128"/>
                 <a:cs typeface="Apple Symbols" panose="02000000000000000000" pitchFamily="2" charset="-79"/>
@@ -7298,7 +9816,7 @@
               <a:t>, </a:t>
             </a:r>
             <a:r>
-              <a:rPr lang="ko-KR" altLang="en-US" sz="2000" dirty="0">
+              <a:rPr lang="ko-KR" altLang="en-US" dirty="0">
                 <a:latin typeface="AppleSDGothicNeoR00" panose="02000503000000000000" pitchFamily="2" charset="-128"/>
                 <a:ea typeface="AppleSDGothicNeoR00" panose="02000503000000000000" pitchFamily="2" charset="-128"/>
                 <a:cs typeface="Apple Symbols" panose="02000000000000000000" pitchFamily="2" charset="-79"/>
@@ -7306,7 +9824,7 @@
               <a:t>어떤 </a:t>
             </a:r>
             <a:r>
-              <a:rPr lang="ko-KR" altLang="en-US" sz="2000" dirty="0" err="1">
+              <a:rPr lang="ko-KR" altLang="en-US" dirty="0" err="1">
                 <a:latin typeface="AppleSDGothicNeoR00" panose="02000503000000000000" pitchFamily="2" charset="-128"/>
                 <a:ea typeface="AppleSDGothicNeoR00" panose="02000503000000000000" pitchFamily="2" charset="-128"/>
                 <a:cs typeface="Apple Symbols" panose="02000000000000000000" pitchFamily="2" charset="-79"/>
@@ -7314,7 +9832,7 @@
               <a:t>백엔드</a:t>
             </a:r>
             <a:r>
-              <a:rPr lang="ko-KR" altLang="en-US" sz="2000" dirty="0">
+              <a:rPr lang="ko-KR" altLang="en-US" dirty="0">
                 <a:latin typeface="AppleSDGothicNeoR00" panose="02000503000000000000" pitchFamily="2" charset="-128"/>
                 <a:ea typeface="AppleSDGothicNeoR00" panose="02000503000000000000" pitchFamily="2" charset="-128"/>
                 <a:cs typeface="Apple Symbols" panose="02000000000000000000" pitchFamily="2" charset="-79"/>
@@ -7322,21 +9840,21 @@
               <a:t> 프레임워크를 쓰는지조차 알아내는 일반적인 방법이 </a:t>
             </a:r>
             <a:r>
-              <a:rPr lang="ko-KR" altLang="en-US" sz="2000" dirty="0" err="1">
+              <a:rPr lang="ko-KR" altLang="en-US" dirty="0" err="1">
                 <a:latin typeface="AppleSDGothicNeoR00" panose="02000503000000000000" pitchFamily="2" charset="-128"/>
                 <a:ea typeface="AppleSDGothicNeoR00" panose="02000503000000000000" pitchFamily="2" charset="-128"/>
                 <a:cs typeface="Apple Symbols" panose="02000000000000000000" pitchFamily="2" charset="-79"/>
               </a:rPr>
               <a:t>미존재</a:t>
             </a:r>
-            <a:endParaRPr lang="en-US" altLang="ko-KR" sz="2000" dirty="0">
+            <a:endParaRPr lang="en-US" altLang="ko-KR" dirty="0">
               <a:latin typeface="AppleSDGothicNeoR00" panose="02000503000000000000" pitchFamily="2" charset="-128"/>
               <a:ea typeface="AppleSDGothicNeoR00" panose="02000503000000000000" pitchFamily="2" charset="-128"/>
               <a:cs typeface="Apple Symbols" panose="02000000000000000000" pitchFamily="2" charset="-79"/>
             </a:endParaRPr>
           </a:p>
           <a:p>
-            <a:endParaRPr lang="en-US" altLang="ko-KR" sz="2000" dirty="0">
+            <a:endParaRPr lang="en-US" altLang="ko-KR" dirty="0">
               <a:latin typeface="AppleSDGothicNeoR00" panose="02000503000000000000" pitchFamily="2" charset="-128"/>
               <a:ea typeface="AppleSDGothicNeoR00" panose="02000503000000000000" pitchFamily="2" charset="-128"/>
               <a:cs typeface="Apple Symbols" panose="02000000000000000000" pitchFamily="2" charset="-79"/>
@@ -7344,7 +9862,7 @@
           </a:p>
           <a:p>
             <a:r>
-              <a:rPr lang="ko-KR" altLang="en-US" sz="2000" dirty="0">
+              <a:rPr lang="ko-KR" altLang="en-US" dirty="0">
                 <a:latin typeface="AppleSDGothicNeoR00" panose="02000503000000000000" pitchFamily="2" charset="-128"/>
                 <a:ea typeface="AppleSDGothicNeoR00" panose="02000503000000000000" pitchFamily="2" charset="-128"/>
                 <a:cs typeface="Apple Symbols" panose="02000000000000000000" pitchFamily="2" charset="-79"/>
@@ -7352,7 +9870,7 @@
               <a:t>자동화된 도구를 이용해 취약점 </a:t>
             </a:r>
             <a:r>
-              <a:rPr lang="en-US" altLang="ko-KR" sz="2000" dirty="0">
+              <a:rPr lang="en-US" altLang="ko-KR" dirty="0">
                 <a:latin typeface="AppleSDGothicNeoR00" panose="02000503000000000000" pitchFamily="2" charset="-128"/>
                 <a:ea typeface="AppleSDGothicNeoR00" panose="02000503000000000000" pitchFamily="2" charset="-128"/>
                 <a:cs typeface="Apple Symbols" panose="02000000000000000000" pitchFamily="2" charset="-79"/>
@@ -7360,7 +9878,7 @@
               <a:t>Fuzzing </a:t>
             </a:r>
             <a:r>
-              <a:rPr lang="ko-KR" altLang="en-US" sz="2000" dirty="0">
+              <a:rPr lang="ko-KR" altLang="en-US" dirty="0">
                 <a:latin typeface="AppleSDGothicNeoR00" panose="02000503000000000000" pitchFamily="2" charset="-128"/>
                 <a:ea typeface="AppleSDGothicNeoR00" panose="02000503000000000000" pitchFamily="2" charset="-128"/>
                 <a:cs typeface="Apple Symbols" panose="02000000000000000000" pitchFamily="2" charset="-79"/>
@@ -7368,18 +9886,13 @@
               <a:t>시도</a:t>
             </a:r>
             <a:r>
-              <a:rPr lang="en-US" altLang="ko-KR" sz="2000">
+              <a:rPr lang="en-US" altLang="ko-KR" dirty="0">
                 <a:latin typeface="AppleSDGothicNeoR00" panose="02000503000000000000" pitchFamily="2" charset="-128"/>
                 <a:ea typeface="AppleSDGothicNeoR00" panose="02000503000000000000" pitchFamily="2" charset="-128"/>
                 <a:cs typeface="Apple Symbols" panose="02000000000000000000" pitchFamily="2" charset="-79"/>
               </a:rPr>
               <a:t>!</a:t>
             </a:r>
-            <a:endParaRPr lang="en-US" altLang="ko-KR" sz="2000" dirty="0">
-              <a:latin typeface="AppleSDGothicNeoR00" panose="02000503000000000000" pitchFamily="2" charset="-128"/>
-              <a:ea typeface="AppleSDGothicNeoR00" panose="02000503000000000000" pitchFamily="2" charset="-128"/>
-              <a:cs typeface="Apple Symbols" panose="02000000000000000000" pitchFamily="2" charset="-79"/>
-            </a:endParaRPr>
           </a:p>
         </p:txBody>
       </p:sp>
